--- a/SPA PPT/Sports Performance Analysis.pptx
+++ b/SPA PPT/Sports Performance Analysis.pptx
@@ -5,10 +5,10 @@
     <p:sldMasterId id="2147483648" r:id="rId4"/>
   </p:sldMasterIdLst>
   <p:notesMasterIdLst>
-    <p:notesMasterId r:id="rId18"/>
+    <p:notesMasterId r:id="rId20"/>
   </p:notesMasterIdLst>
   <p:handoutMasterIdLst>
-    <p:handoutMasterId r:id="rId19"/>
+    <p:handoutMasterId r:id="rId21"/>
   </p:handoutMasterIdLst>
   <p:sldIdLst>
     <p:sldId id="256" r:id="rId5"/>
@@ -22,8 +22,10 @@
     <p:sldId id="282" r:id="rId13"/>
     <p:sldId id="285" r:id="rId14"/>
     <p:sldId id="283" r:id="rId15"/>
-    <p:sldId id="277" r:id="rId16"/>
-    <p:sldId id="286" r:id="rId17"/>
+    <p:sldId id="288" r:id="rId16"/>
+    <p:sldId id="287" r:id="rId17"/>
+    <p:sldId id="277" r:id="rId18"/>
+    <p:sldId id="286" r:id="rId19"/>
   </p:sldIdLst>
   <p:sldSz cx="12192000" cy="6858000"/>
   <p:notesSz cx="6858000" cy="9144000"/>
@@ -426,6 +428,273 @@
             <ac:spMk id="3" creationId="{E8E5B391-D291-24E6-0F85-BCB524CFA7BC}"/>
           </ac:spMkLst>
         </pc:spChg>
+      </pc:sldChg>
+    </pc:docChg>
+  </pc:docChgLst>
+  <pc:docChgLst>
+    <pc:chgData name="Sakshi Ambali" userId="c52ac64cda8c9f8f" providerId="LiveId" clId="{DF4E7ABC-4BDD-4305-82C2-26DF78D0A59D}"/>
+    <pc:docChg chg="undo redo custSel addSld delSld modSld sldOrd">
+      <pc:chgData name="Sakshi Ambali" userId="c52ac64cda8c9f8f" providerId="LiveId" clId="{DF4E7ABC-4BDD-4305-82C2-26DF78D0A59D}" dt="2025-06-09T11:31:00.894" v="249" actId="113"/>
+      <pc:docMkLst>
+        <pc:docMk/>
+      </pc:docMkLst>
+      <pc:sldChg chg="modSp">
+        <pc:chgData name="Sakshi Ambali" userId="c52ac64cda8c9f8f" providerId="LiveId" clId="{DF4E7ABC-4BDD-4305-82C2-26DF78D0A59D}" dt="2025-06-09T11:31:00.894" v="249" actId="113"/>
+        <pc:sldMkLst>
+          <pc:docMk/>
+          <pc:sldMk cId="1323911591" sldId="279"/>
+        </pc:sldMkLst>
+        <pc:spChg chg="mod">
+          <ac:chgData name="Sakshi Ambali" userId="c52ac64cda8c9f8f" providerId="LiveId" clId="{DF4E7ABC-4BDD-4305-82C2-26DF78D0A59D}" dt="2025-06-09T11:31:00.894" v="249" actId="113"/>
+          <ac:spMkLst>
+            <pc:docMk/>
+            <pc:sldMk cId="1323911591" sldId="279"/>
+            <ac:spMk id="6" creationId="{461C72BD-6D52-75F6-E9CA-E748D52AF6F7}"/>
+          </ac:spMkLst>
+        </pc:spChg>
+      </pc:sldChg>
+      <pc:sldChg chg="addSp delSp modSp mod delAnim modAnim">
+        <pc:chgData name="Sakshi Ambali" userId="c52ac64cda8c9f8f" providerId="LiveId" clId="{DF4E7ABC-4BDD-4305-82C2-26DF78D0A59D}" dt="2025-06-09T11:29:10.142" v="235"/>
+        <pc:sldMkLst>
+          <pc:docMk/>
+          <pc:sldMk cId="2240598580" sldId="283"/>
+        </pc:sldMkLst>
+        <pc:spChg chg="add">
+          <ac:chgData name="Sakshi Ambali" userId="c52ac64cda8c9f8f" providerId="LiveId" clId="{DF4E7ABC-4BDD-4305-82C2-26DF78D0A59D}" dt="2025-06-09T11:14:34.656" v="73"/>
+          <ac:spMkLst>
+            <pc:docMk/>
+            <pc:sldMk cId="2240598580" sldId="283"/>
+            <ac:spMk id="2" creationId="{8985E660-B578-4E4F-CFCD-AE2CB3EF47C2}"/>
+          </ac:spMkLst>
+        </pc:spChg>
+        <pc:spChg chg="add">
+          <ac:chgData name="Sakshi Ambali" userId="c52ac64cda8c9f8f" providerId="LiveId" clId="{DF4E7ABC-4BDD-4305-82C2-26DF78D0A59D}" dt="2025-06-09T11:14:44.223" v="75"/>
+          <ac:spMkLst>
+            <pc:docMk/>
+            <pc:sldMk cId="2240598580" sldId="283"/>
+            <ac:spMk id="3" creationId="{8524DF1E-536E-0A65-B012-3D1682DFE2F3}"/>
+          </ac:spMkLst>
+        </pc:spChg>
+        <pc:spChg chg="add del mod">
+          <ac:chgData name="Sakshi Ambali" userId="c52ac64cda8c9f8f" providerId="LiveId" clId="{DF4E7ABC-4BDD-4305-82C2-26DF78D0A59D}" dt="2025-06-09T11:16:06.591" v="92"/>
+          <ac:spMkLst>
+            <pc:docMk/>
+            <pc:sldMk cId="2240598580" sldId="283"/>
+            <ac:spMk id="6" creationId="{329AE13C-5BF3-4D29-B5CB-51140E5E533D}"/>
+          </ac:spMkLst>
+        </pc:spChg>
+        <pc:spChg chg="add">
+          <ac:chgData name="Sakshi Ambali" userId="c52ac64cda8c9f8f" providerId="LiveId" clId="{DF4E7ABC-4BDD-4305-82C2-26DF78D0A59D}" dt="2025-06-09T11:15:17.625" v="78"/>
+          <ac:spMkLst>
+            <pc:docMk/>
+            <pc:sldMk cId="2240598580" sldId="283"/>
+            <ac:spMk id="9" creationId="{18A6FC3D-2651-0502-2F68-810DAE858ED8}"/>
+          </ac:spMkLst>
+        </pc:spChg>
+        <pc:spChg chg="del">
+          <ac:chgData name="Sakshi Ambali" userId="c52ac64cda8c9f8f" providerId="LiveId" clId="{DF4E7ABC-4BDD-4305-82C2-26DF78D0A59D}" dt="2025-06-09T11:29:02.893" v="230" actId="478"/>
+          <ac:spMkLst>
+            <pc:docMk/>
+            <pc:sldMk cId="2240598580" sldId="283"/>
+            <ac:spMk id="10" creationId="{824628AB-0D82-5C68-D1F7-8CF7094EA036}"/>
+          </ac:spMkLst>
+        </pc:spChg>
+        <pc:spChg chg="add">
+          <ac:chgData name="Sakshi Ambali" userId="c52ac64cda8c9f8f" providerId="LiveId" clId="{DF4E7ABC-4BDD-4305-82C2-26DF78D0A59D}" dt="2025-06-09T11:15:22.934" v="79"/>
+          <ac:spMkLst>
+            <pc:docMk/>
+            <pc:sldMk cId="2240598580" sldId="283"/>
+            <ac:spMk id="11" creationId="{30C6496C-EC11-C65C-DC98-5CDBB6B0CA6C}"/>
+          </ac:spMkLst>
+        </pc:spChg>
+        <pc:spChg chg="del">
+          <ac:chgData name="Sakshi Ambali" userId="c52ac64cda8c9f8f" providerId="LiveId" clId="{DF4E7ABC-4BDD-4305-82C2-26DF78D0A59D}" dt="2025-06-09T11:29:10.118" v="233" actId="21"/>
+          <ac:spMkLst>
+            <pc:docMk/>
+            <pc:sldMk cId="2240598580" sldId="283"/>
+            <ac:spMk id="13" creationId="{FE223F96-3E76-095E-5B0F-6BA51A2AD975}"/>
+          </ac:spMkLst>
+        </pc:spChg>
+        <pc:spChg chg="add del mod">
+          <ac:chgData name="Sakshi Ambali" userId="c52ac64cda8c9f8f" providerId="LiveId" clId="{DF4E7ABC-4BDD-4305-82C2-26DF78D0A59D}" dt="2025-06-09T11:29:10.142" v="235"/>
+          <ac:spMkLst>
+            <pc:docMk/>
+            <pc:sldMk cId="2240598580" sldId="283"/>
+            <ac:spMk id="14" creationId="{D9A395C1-7779-DE85-28C0-66ED44BAF853}"/>
+          </ac:spMkLst>
+        </pc:spChg>
+        <pc:spChg chg="del mod">
+          <ac:chgData name="Sakshi Ambali" userId="c52ac64cda8c9f8f" providerId="LiveId" clId="{DF4E7ABC-4BDD-4305-82C2-26DF78D0A59D}" dt="2025-06-09T11:14:49.799" v="76" actId="21"/>
+          <ac:spMkLst>
+            <pc:docMk/>
+            <pc:sldMk cId="2240598580" sldId="283"/>
+            <ac:spMk id="22" creationId="{D6EC00E9-7DED-8F41-EA9A-DF6CACF49BFF}"/>
+          </ac:spMkLst>
+        </pc:spChg>
+        <pc:picChg chg="del">
+          <ac:chgData name="Sakshi Ambali" userId="c52ac64cda8c9f8f" providerId="LiveId" clId="{DF4E7ABC-4BDD-4305-82C2-26DF78D0A59D}" dt="2025-06-09T11:29:01.784" v="229" actId="478"/>
+          <ac:picMkLst>
+            <pc:docMk/>
+            <pc:sldMk cId="2240598580" sldId="283"/>
+            <ac:picMk id="12" creationId="{A27F4289-9653-BEE0-404C-5F454F61D64D}"/>
+          </ac:picMkLst>
+        </pc:picChg>
+      </pc:sldChg>
+      <pc:sldChg chg="modSp">
+        <pc:chgData name="Sakshi Ambali" userId="c52ac64cda8c9f8f" providerId="LiveId" clId="{DF4E7ABC-4BDD-4305-82C2-26DF78D0A59D}" dt="2025-06-09T11:18:09.513" v="124" actId="20577"/>
+        <pc:sldMkLst>
+          <pc:docMk/>
+          <pc:sldMk cId="3268956835" sldId="285"/>
+        </pc:sldMkLst>
+        <pc:spChg chg="mod">
+          <ac:chgData name="Sakshi Ambali" userId="c52ac64cda8c9f8f" providerId="LiveId" clId="{DF4E7ABC-4BDD-4305-82C2-26DF78D0A59D}" dt="2025-06-09T11:18:09.513" v="124" actId="20577"/>
+          <ac:spMkLst>
+            <pc:docMk/>
+            <pc:sldMk cId="3268956835" sldId="285"/>
+            <ac:spMk id="2" creationId="{ABD372F9-896B-0B8F-F9E9-DE18587080C6}"/>
+          </ac:spMkLst>
+        </pc:spChg>
+      </pc:sldChg>
+      <pc:sldChg chg="new del">
+        <pc:chgData name="Sakshi Ambali" userId="c52ac64cda8c9f8f" providerId="LiveId" clId="{DF4E7ABC-4BDD-4305-82C2-26DF78D0A59D}" dt="2025-06-09T06:52:48.612" v="1" actId="2696"/>
+        <pc:sldMkLst>
+          <pc:docMk/>
+          <pc:sldMk cId="396612653" sldId="287"/>
+        </pc:sldMkLst>
+      </pc:sldChg>
+      <pc:sldChg chg="addSp delSp modSp new mod ord delAnim modAnim">
+        <pc:chgData name="Sakshi Ambali" userId="c52ac64cda8c9f8f" providerId="LiveId" clId="{DF4E7ABC-4BDD-4305-82C2-26DF78D0A59D}" dt="2025-06-09T09:01:11.179" v="72" actId="14100"/>
+        <pc:sldMkLst>
+          <pc:docMk/>
+          <pc:sldMk cId="3827754534" sldId="287"/>
+        </pc:sldMkLst>
+        <pc:spChg chg="mod">
+          <ac:chgData name="Sakshi Ambali" userId="c52ac64cda8c9f8f" providerId="LiveId" clId="{DF4E7ABC-4BDD-4305-82C2-26DF78D0A59D}" dt="2025-06-09T07:11:14.585" v="24" actId="1076"/>
+          <ac:spMkLst>
+            <pc:docMk/>
+            <pc:sldMk cId="3827754534" sldId="287"/>
+            <ac:spMk id="2" creationId="{A7A01003-5886-5A0B-F2AD-F3A1BFC12A31}"/>
+          </ac:spMkLst>
+        </pc:spChg>
+        <pc:spChg chg="mod">
+          <ac:chgData name="Sakshi Ambali" userId="c52ac64cda8c9f8f" providerId="LiveId" clId="{DF4E7ABC-4BDD-4305-82C2-26DF78D0A59D}" dt="2025-06-09T07:15:15.492" v="62" actId="207"/>
+          <ac:spMkLst>
+            <pc:docMk/>
+            <pc:sldMk cId="3827754534" sldId="287"/>
+            <ac:spMk id="3" creationId="{7EE8ED17-7377-2A88-2CDF-07D534EFE6FF}"/>
+          </ac:spMkLst>
+        </pc:spChg>
+        <pc:spChg chg="add mod">
+          <ac:chgData name="Sakshi Ambali" userId="c52ac64cda8c9f8f" providerId="LiveId" clId="{DF4E7ABC-4BDD-4305-82C2-26DF78D0A59D}" dt="2025-06-09T07:13:57.290" v="53" actId="14100"/>
+          <ac:spMkLst>
+            <pc:docMk/>
+            <pc:sldMk cId="3827754534" sldId="287"/>
+            <ac:spMk id="6" creationId="{8328CDE1-2A9A-030C-54F9-CE3196A08B9E}"/>
+          </ac:spMkLst>
+        </pc:spChg>
+        <pc:picChg chg="add del mod">
+          <ac:chgData name="Sakshi Ambali" userId="c52ac64cda8c9f8f" providerId="LiveId" clId="{DF4E7ABC-4BDD-4305-82C2-26DF78D0A59D}" dt="2025-06-09T09:00:35.702" v="67" actId="478"/>
+          <ac:picMkLst>
+            <pc:docMk/>
+            <pc:sldMk cId="3827754534" sldId="287"/>
+            <ac:picMk id="8" creationId="{E7328A81-AB63-0C19-9884-BE5C630E064E}"/>
+          </ac:picMkLst>
+        </pc:picChg>
+        <pc:picChg chg="add mod">
+          <ac:chgData name="Sakshi Ambali" userId="c52ac64cda8c9f8f" providerId="LiveId" clId="{DF4E7ABC-4BDD-4305-82C2-26DF78D0A59D}" dt="2025-06-09T09:01:11.179" v="72" actId="14100"/>
+          <ac:picMkLst>
+            <pc:docMk/>
+            <pc:sldMk cId="3827754534" sldId="287"/>
+            <ac:picMk id="9" creationId="{5A51046C-4BE8-7B96-CBF8-16E62C4408F5}"/>
+          </ac:picMkLst>
+        </pc:picChg>
+      </pc:sldChg>
+      <pc:sldChg chg="addSp delSp modSp new mod modTransition modAnim">
+        <pc:chgData name="Sakshi Ambali" userId="c52ac64cda8c9f8f" providerId="LiveId" clId="{DF4E7ABC-4BDD-4305-82C2-26DF78D0A59D}" dt="2025-06-09T11:29:41.452" v="238"/>
+        <pc:sldMkLst>
+          <pc:docMk/>
+          <pc:sldMk cId="380360713" sldId="288"/>
+        </pc:sldMkLst>
+        <pc:spChg chg="add del">
+          <ac:chgData name="Sakshi Ambali" userId="c52ac64cda8c9f8f" providerId="LiveId" clId="{DF4E7ABC-4BDD-4305-82C2-26DF78D0A59D}" dt="2025-06-09T11:21:16.373" v="152" actId="478"/>
+          <ac:spMkLst>
+            <pc:docMk/>
+            <pc:sldMk cId="380360713" sldId="288"/>
+            <ac:spMk id="2" creationId="{793F065A-6B95-7F5F-D18C-A9870476C8EB}"/>
+          </ac:spMkLst>
+        </pc:spChg>
+        <pc:spChg chg="add del">
+          <ac:chgData name="Sakshi Ambali" userId="c52ac64cda8c9f8f" providerId="LiveId" clId="{DF4E7ABC-4BDD-4305-82C2-26DF78D0A59D}" dt="2025-06-09T11:21:16.373" v="152" actId="478"/>
+          <ac:spMkLst>
+            <pc:docMk/>
+            <pc:sldMk cId="380360713" sldId="288"/>
+            <ac:spMk id="3" creationId="{4DE68A44-F71A-39AA-5F5C-CA7C1012B7F3}"/>
+          </ac:spMkLst>
+        </pc:spChg>
+        <pc:spChg chg="add del">
+          <ac:chgData name="Sakshi Ambali" userId="c52ac64cda8c9f8f" providerId="LiveId" clId="{DF4E7ABC-4BDD-4305-82C2-26DF78D0A59D}" dt="2025-06-09T11:19:41.667" v="135" actId="478"/>
+          <ac:spMkLst>
+            <pc:docMk/>
+            <pc:sldMk cId="380360713" sldId="288"/>
+            <ac:spMk id="6" creationId="{017B87E8-1B19-FE8B-1854-D1590472B099}"/>
+          </ac:spMkLst>
+        </pc:spChg>
+        <pc:spChg chg="add del mod">
+          <ac:chgData name="Sakshi Ambali" userId="c52ac64cda8c9f8f" providerId="LiveId" clId="{DF4E7ABC-4BDD-4305-82C2-26DF78D0A59D}" dt="2025-06-09T11:19:48.618" v="138"/>
+          <ac:spMkLst>
+            <pc:docMk/>
+            <pc:sldMk cId="380360713" sldId="288"/>
+            <ac:spMk id="7" creationId="{A4549971-E04D-9A3F-BF75-4BC842A5E3C6}"/>
+          </ac:spMkLst>
+        </pc:spChg>
+        <pc:spChg chg="add del mod">
+          <ac:chgData name="Sakshi Ambali" userId="c52ac64cda8c9f8f" providerId="LiveId" clId="{DF4E7ABC-4BDD-4305-82C2-26DF78D0A59D}" dt="2025-06-09T11:20:59.877" v="148" actId="478"/>
+          <ac:spMkLst>
+            <pc:docMk/>
+            <pc:sldMk cId="380360713" sldId="288"/>
+            <ac:spMk id="8" creationId="{9D8C6109-9F70-F9EC-127F-276F444DCB3D}"/>
+          </ac:spMkLst>
+        </pc:spChg>
+        <pc:spChg chg="add del">
+          <ac:chgData name="Sakshi Ambali" userId="c52ac64cda8c9f8f" providerId="LiveId" clId="{DF4E7ABC-4BDD-4305-82C2-26DF78D0A59D}" dt="2025-06-09T11:20:59.877" v="148" actId="478"/>
+          <ac:spMkLst>
+            <pc:docMk/>
+            <pc:sldMk cId="380360713" sldId="288"/>
+            <ac:spMk id="9" creationId="{32376AFE-5439-145B-D3BD-BB8612DF1E3C}"/>
+          </ac:spMkLst>
+        </pc:spChg>
+        <pc:spChg chg="add del mod">
+          <ac:chgData name="Sakshi Ambali" userId="c52ac64cda8c9f8f" providerId="LiveId" clId="{DF4E7ABC-4BDD-4305-82C2-26DF78D0A59D}" dt="2025-06-09T11:28:51.287" v="228" actId="207"/>
+          <ac:spMkLst>
+            <pc:docMk/>
+            <pc:sldMk cId="380360713" sldId="288"/>
+            <ac:spMk id="10" creationId="{6FC00B51-5B7A-427F-751C-3043A684D041}"/>
+          </ac:spMkLst>
+        </pc:spChg>
+        <pc:spChg chg="add del">
+          <ac:chgData name="Sakshi Ambali" userId="c52ac64cda8c9f8f" providerId="LiveId" clId="{DF4E7ABC-4BDD-4305-82C2-26DF78D0A59D}" dt="2025-06-09T11:21:32.151" v="153" actId="478"/>
+          <ac:spMkLst>
+            <pc:docMk/>
+            <pc:sldMk cId="380360713" sldId="288"/>
+            <ac:spMk id="11" creationId="{B7241E49-6293-1A4F-ABB3-733C7506DDE8}"/>
+          </ac:spMkLst>
+        </pc:spChg>
+        <pc:spChg chg="add">
+          <ac:chgData name="Sakshi Ambali" userId="c52ac64cda8c9f8f" providerId="LiveId" clId="{DF4E7ABC-4BDD-4305-82C2-26DF78D0A59D}" dt="2025-06-09T11:22:10.062" v="157"/>
+          <ac:spMkLst>
+            <pc:docMk/>
+            <pc:sldMk cId="380360713" sldId="288"/>
+            <ac:spMk id="12" creationId="{950D6BCB-8CFE-87C7-5D5C-86BBAF42BB97}"/>
+          </ac:spMkLst>
+        </pc:spChg>
+        <pc:picChg chg="add del mod modCrop">
+          <ac:chgData name="Sakshi Ambali" userId="c52ac64cda8c9f8f" providerId="LiveId" clId="{DF4E7ABC-4BDD-4305-82C2-26DF78D0A59D}" dt="2025-06-09T11:21:16.373" v="152" actId="478"/>
+          <ac:picMkLst>
+            <pc:docMk/>
+            <pc:sldMk cId="380360713" sldId="288"/>
+            <ac:picMk id="5" creationId="{4C3B2C76-793D-66E8-120D-E2504FDE3718}"/>
+          </ac:picMkLst>
+        </pc:picChg>
       </pc:sldChg>
     </pc:docChg>
   </pc:docChgLst>
@@ -2059,7 +2328,7 @@
           <a:p>
             <a:fld id="{DD82C05A-7A07-4286-AA18-B883C0AF9A3B}" type="slidenum">
               <a:rPr lang="en-US" smtClean="0"/>
-              <a:t>12</a:t>
+              <a:t>14</a:t>
             </a:fld>
             <a:endParaRPr lang="en-US" dirty="0"/>
           </a:p>
@@ -19770,13 +20039,13 @@
   <p:clrMapOvr>
     <a:masterClrMapping/>
   </p:clrMapOvr>
-  <mc:AlternateContent xmlns:mc="http://schemas.openxmlformats.org/markup-compatibility/2006">
-    <mc:Choice xmlns:p14="http://schemas.microsoft.com/office/powerpoint/2010/main" Requires="p14">
+  <mc:AlternateContent xmlns:mc="http://schemas.openxmlformats.org/markup-compatibility/2006" xmlns:p14="http://schemas.microsoft.com/office/powerpoint/2010/main">
+    <mc:Choice Requires="p14">
       <p:transition spd="med" p14:dur="700">
         <p:fade/>
       </p:transition>
     </mc:Choice>
-    <mc:Fallback>
+    <mc:Fallback xmlns="">
       <p:transition spd="med">
         <p:fade/>
       </p:transition>
@@ -20165,13 +20434,13 @@
   <p:clrMapOvr>
     <a:masterClrMapping/>
   </p:clrMapOvr>
-  <mc:AlternateContent xmlns:mc="http://schemas.openxmlformats.org/markup-compatibility/2006">
-    <mc:Choice xmlns:p15="http://schemas.microsoft.com/office/powerpoint/2012/main" Requires="p15">
+  <mc:AlternateContent xmlns:mc="http://schemas.openxmlformats.org/markup-compatibility/2006" xmlns:p15="http://schemas.microsoft.com/office/powerpoint/2012/main">
+    <mc:Choice Requires="p15">
       <p:transition xmlns:p14="http://schemas.microsoft.com/office/powerpoint/2010/main" spd="slow" p14:dur="2000">
         <p15:prstTrans prst="drape"/>
       </p:transition>
     </mc:Choice>
-    <mc:Fallback>
+    <mc:Fallback xmlns="">
       <p:transition spd="slow">
         <p:fade/>
       </p:transition>
@@ -20450,296 +20719,6 @@
           </a:p>
         </p:txBody>
       </p:sp>
-      <p:sp>
-        <p:nvSpPr>
-          <p:cNvPr id="10" name="Rectangle 9">
-            <a:extLst>
-              <a:ext uri="{FF2B5EF4-FFF2-40B4-BE49-F238E27FC236}">
-                <a16:creationId xmlns:a16="http://schemas.microsoft.com/office/drawing/2014/main" id="{824628AB-0D82-5C68-D1F7-8CF7094EA036}"/>
-              </a:ext>
-            </a:extLst>
-          </p:cNvPr>
-          <p:cNvSpPr/>
-          <p:nvPr/>
-        </p:nvSpPr>
-        <p:spPr>
-          <a:xfrm>
-            <a:off x="355002" y="849853"/>
-            <a:ext cx="6691556" cy="4970033"/>
-          </a:xfrm>
-          <a:prstGeom prst="rect">
-            <a:avLst/>
-          </a:prstGeom>
-          <a:solidFill>
-            <a:schemeClr val="bg1"/>
-          </a:solidFill>
-        </p:spPr>
-        <p:style>
-          <a:lnRef idx="2">
-            <a:schemeClr val="accent1">
-              <a:shade val="15000"/>
-            </a:schemeClr>
-          </a:lnRef>
-          <a:fillRef idx="1">
-            <a:schemeClr val="accent1"/>
-          </a:fillRef>
-          <a:effectRef idx="0">
-            <a:schemeClr val="accent1"/>
-          </a:effectRef>
-          <a:fontRef idx="minor">
-            <a:schemeClr val="lt1"/>
-          </a:fontRef>
-        </p:style>
-        <p:txBody>
-          <a:bodyPr rtlCol="0" anchor="ctr"/>
-          <a:lstStyle/>
-          <a:p>
-            <a:pPr algn="ctr"/>
-            <a:endParaRPr lang="hi-IN"/>
-          </a:p>
-        </p:txBody>
-      </p:sp>
-      <p:pic>
-        <p:nvPicPr>
-          <p:cNvPr id="12" name="Picture 11">
-            <a:extLst>
-              <a:ext uri="{FF2B5EF4-FFF2-40B4-BE49-F238E27FC236}">
-                <a16:creationId xmlns:a16="http://schemas.microsoft.com/office/drawing/2014/main" id="{A27F4289-9653-BEE0-404C-5F454F61D64D}"/>
-              </a:ext>
-            </a:extLst>
-          </p:cNvPr>
-          <p:cNvPicPr>
-            <a:picLocks noChangeAspect="1"/>
-          </p:cNvPicPr>
-          <p:nvPr/>
-        </p:nvPicPr>
-        <p:blipFill>
-          <a:blip r:embed="rId3">
-            <a:extLst>
-              <a:ext uri="{28A0092B-C50C-407E-A947-70E740481C1C}">
-                <a14:useLocalDpi xmlns:a14="http://schemas.microsoft.com/office/drawing/2010/main" val="0"/>
-              </a:ext>
-            </a:extLst>
-          </a:blip>
-          <a:srcRect l="26046" t="1405" r="26603" b="3794"/>
-          <a:stretch>
-            <a:fillRect/>
-          </a:stretch>
-        </p:blipFill>
-        <p:spPr>
-          <a:xfrm>
-            <a:off x="355002" y="849852"/>
-            <a:ext cx="6691555" cy="4970033"/>
-          </a:xfrm>
-          <a:prstGeom prst="rect">
-            <a:avLst/>
-          </a:prstGeom>
-        </p:spPr>
-      </p:pic>
-      <p:sp>
-        <p:nvSpPr>
-          <p:cNvPr id="13" name="Rectangle 12">
-            <a:extLst>
-              <a:ext uri="{FF2B5EF4-FFF2-40B4-BE49-F238E27FC236}">
-                <a16:creationId xmlns:a16="http://schemas.microsoft.com/office/drawing/2014/main" id="{FE223F96-3E76-095E-5B0F-6BA51A2AD975}"/>
-              </a:ext>
-            </a:extLst>
-          </p:cNvPr>
-          <p:cNvSpPr/>
-          <p:nvPr/>
-        </p:nvSpPr>
-        <p:spPr>
-          <a:xfrm>
-            <a:off x="7531248" y="892882"/>
-            <a:ext cx="4230446" cy="4883971"/>
-          </a:xfrm>
-          <a:prstGeom prst="rect">
-            <a:avLst/>
-          </a:prstGeom>
-          <a:solidFill>
-            <a:schemeClr val="bg1"/>
-          </a:solidFill>
-          <a:ln>
-            <a:noFill/>
-          </a:ln>
-        </p:spPr>
-        <p:style>
-          <a:lnRef idx="2">
-            <a:schemeClr val="accent1">
-              <a:shade val="15000"/>
-            </a:schemeClr>
-          </a:lnRef>
-          <a:fillRef idx="1">
-            <a:schemeClr val="accent1"/>
-          </a:fillRef>
-          <a:effectRef idx="0">
-            <a:schemeClr val="accent1"/>
-          </a:effectRef>
-          <a:fontRef idx="minor">
-            <a:schemeClr val="lt1"/>
-          </a:fontRef>
-        </p:style>
-        <p:txBody>
-          <a:bodyPr rtlCol="0" anchor="ctr"/>
-          <a:lstStyle/>
-          <a:p>
-            <a:pPr algn="ctr"/>
-            <a:endParaRPr lang="hi-IN" dirty="0"/>
-          </a:p>
-        </p:txBody>
-      </p:sp>
-      <p:sp>
-        <p:nvSpPr>
-          <p:cNvPr id="22" name="TextBox 21">
-            <a:extLst>
-              <a:ext uri="{FF2B5EF4-FFF2-40B4-BE49-F238E27FC236}">
-                <a16:creationId xmlns:a16="http://schemas.microsoft.com/office/drawing/2014/main" id="{D6EC00E9-7DED-8F41-EA9A-DF6CACF49BFF}"/>
-              </a:ext>
-            </a:extLst>
-          </p:cNvPr>
-          <p:cNvSpPr txBox="1"/>
-          <p:nvPr/>
-        </p:nvSpPr>
-        <p:spPr>
-          <a:xfrm>
-            <a:off x="7444739" y="849852"/>
-            <a:ext cx="4403464" cy="4708981"/>
-          </a:xfrm>
-          <a:prstGeom prst="rect">
-            <a:avLst/>
-          </a:prstGeom>
-          <a:noFill/>
-        </p:spPr>
-        <p:txBody>
-          <a:bodyPr wrap="square" rtlCol="0">
-            <a:spAutoFit/>
-          </a:bodyPr>
-          <a:lstStyle/>
-          <a:p>
-            <a:pPr algn="just"/>
-            <a:r>
-              <a:rPr lang="en-US" sz="2000" b="1" dirty="0">
-                <a:solidFill>
-                  <a:schemeClr val="accent1"/>
-                </a:solidFill>
-                <a:latin typeface="Arial Rounded MT Bold" panose="020F0704030504030204" pitchFamily="34" charset="0"/>
-              </a:rPr>
-              <a:t>Success Rate &amp; Speed</a:t>
-            </a:r>
-            <a:r>
-              <a:rPr lang="en-US" sz="2000" dirty="0">
-                <a:latin typeface="Arial Rounded MT Bold" panose="020F0704030504030204" pitchFamily="34" charset="0"/>
-              </a:rPr>
-              <a:t>: Speed influences win rate.</a:t>
-            </a:r>
-          </a:p>
-          <a:p>
-            <a:pPr algn="just"/>
-            <a:r>
-              <a:rPr lang="en-US" sz="2000" b="1" dirty="0">
-                <a:solidFill>
-                  <a:schemeClr val="accent1"/>
-                </a:solidFill>
-                <a:latin typeface="Arial Rounded MT Bold" panose="020F0704030504030204" pitchFamily="34" charset="0"/>
-              </a:rPr>
-              <a:t>Minutes Played &amp; Score</a:t>
-            </a:r>
-            <a:r>
-              <a:rPr lang="en-US" sz="2000" dirty="0">
-                <a:latin typeface="Arial Rounded MT Bold" panose="020F0704030504030204" pitchFamily="34" charset="0"/>
-              </a:rPr>
-              <a:t>: More time on field often leads to higher score.</a:t>
-            </a:r>
-          </a:p>
-          <a:p>
-            <a:pPr algn="just"/>
-            <a:r>
-              <a:rPr lang="en-US" sz="2000" b="1" dirty="0">
-                <a:solidFill>
-                  <a:schemeClr val="accent1"/>
-                </a:solidFill>
-                <a:latin typeface="Arial Rounded MT Bold" panose="020F0704030504030204" pitchFamily="34" charset="0"/>
-              </a:rPr>
-              <a:t>Team Offensive Strength</a:t>
-            </a:r>
-            <a:r>
-              <a:rPr lang="en-US" sz="2000" b="1" dirty="0">
-                <a:latin typeface="Arial Rounded MT Bold" panose="020F0704030504030204" pitchFamily="34" charset="0"/>
-              </a:rPr>
-              <a:t>:</a:t>
-            </a:r>
-            <a:r>
-              <a:rPr lang="en-US" sz="2000" dirty="0">
-                <a:solidFill>
-                  <a:schemeClr val="accent1"/>
-                </a:solidFill>
-                <a:latin typeface="Arial Rounded MT Bold" panose="020F0704030504030204" pitchFamily="34" charset="0"/>
-              </a:rPr>
-              <a:t> </a:t>
-            </a:r>
-            <a:r>
-              <a:rPr lang="en-US" sz="2000" dirty="0">
-                <a:latin typeface="Arial Rounded MT Bold" panose="020F0704030504030204" pitchFamily="34" charset="0"/>
-              </a:rPr>
-              <a:t>Assists and goals reveal top attackers.</a:t>
-            </a:r>
-          </a:p>
-          <a:p>
-            <a:pPr algn="just"/>
-            <a:r>
-              <a:rPr lang="en-US" sz="2000" b="1" dirty="0">
-                <a:solidFill>
-                  <a:schemeClr val="accent1"/>
-                </a:solidFill>
-                <a:latin typeface="Arial Rounded MT Bold" panose="020F0704030504030204" pitchFamily="34" charset="0"/>
-              </a:rPr>
-              <a:t>Defensive Pressure</a:t>
-            </a:r>
-            <a:r>
-              <a:rPr lang="en-US" sz="2000" dirty="0">
-                <a:latin typeface="Arial Rounded MT Bold" panose="020F0704030504030204" pitchFamily="34" charset="0"/>
-              </a:rPr>
-              <a:t>: Saves vs match losses reveal weak points.</a:t>
-            </a:r>
-          </a:p>
-          <a:p>
-            <a:pPr algn="just"/>
-            <a:r>
-              <a:rPr lang="en-US" sz="2000" b="1" dirty="0">
-                <a:solidFill>
-                  <a:schemeClr val="accent1"/>
-                </a:solidFill>
-                <a:latin typeface="Arial Rounded MT Bold" panose="020F0704030504030204" pitchFamily="34" charset="0"/>
-              </a:rPr>
-              <a:t>Impact of Injuries</a:t>
-            </a:r>
-            <a:r>
-              <a:rPr lang="en-US" sz="2000" dirty="0">
-                <a:latin typeface="Arial Rounded MT Bold" panose="020F0704030504030204" pitchFamily="34" charset="0"/>
-              </a:rPr>
-              <a:t>: Injuries correlate with reduced performance.</a:t>
-            </a:r>
-          </a:p>
-          <a:p>
-            <a:pPr algn="just"/>
-            <a:r>
-              <a:rPr lang="en-US" sz="2000" b="1" dirty="0">
-                <a:solidFill>
-                  <a:schemeClr val="accent1"/>
-                </a:solidFill>
-                <a:latin typeface="Arial Rounded MT Bold" panose="020F0704030504030204" pitchFamily="34" charset="0"/>
-              </a:rPr>
-              <a:t>Cluster Performance</a:t>
-            </a:r>
-            <a:r>
-              <a:rPr lang="en-US" sz="2000" dirty="0">
-                <a:latin typeface="Arial Rounded MT Bold" panose="020F0704030504030204" pitchFamily="34" charset="0"/>
-              </a:rPr>
-              <a:t>: Identifies best-performing sports or teams via clustering.</a:t>
-            </a:r>
-          </a:p>
-        </p:txBody>
-      </p:sp>
     </p:spTree>
     <p:extLst>
       <p:ext uri="{BB962C8B-B14F-4D97-AF65-F5344CB8AC3E}">
@@ -20750,13 +20729,13 @@
   <p:clrMapOvr>
     <a:masterClrMapping/>
   </p:clrMapOvr>
-  <mc:AlternateContent xmlns:mc="http://schemas.openxmlformats.org/markup-compatibility/2006">
-    <mc:Choice xmlns:p15="http://schemas.microsoft.com/office/powerpoint/2012/main" Requires="p15">
+  <mc:AlternateContent xmlns:mc="http://schemas.openxmlformats.org/markup-compatibility/2006" xmlns:p15="http://schemas.microsoft.com/office/powerpoint/2012/main">
+    <mc:Choice Requires="p15">
       <p:transition xmlns:p14="http://schemas.microsoft.com/office/powerpoint/2010/main" spd="slow" p14:dur="2000">
         <p15:prstTrans prst="drape"/>
       </p:transition>
     </mc:Choice>
-    <mc:Fallback>
+    <mc:Fallback xmlns="">
       <p:transition spd="slow">
         <p:fade/>
       </p:transition>
@@ -20876,27 +20855,462 @@
                       </p:childTnLst>
                     </p:cTn>
                   </p:par>
+                </p:childTnLst>
+              </p:cTn>
+              <p:prevCondLst>
+                <p:cond evt="onPrev" delay="0">
+                  <p:tgtEl>
+                    <p:sldTgt/>
+                  </p:tgtEl>
+                </p:cond>
+              </p:prevCondLst>
+              <p:nextCondLst>
+                <p:cond evt="onNext" delay="0">
+                  <p:tgtEl>
+                    <p:sldTgt/>
+                  </p:tgtEl>
+                </p:cond>
+              </p:nextCondLst>
+            </p:seq>
+          </p:childTnLst>
+        </p:cTn>
+      </p:par>
+    </p:tnLst>
+    <p:bldLst>
+      <p:bldP spid="8" grpId="0"/>
+    </p:bldLst>
+  </p:timing>
+</p:sld>
+</file>
+
+<file path=ppt/slides/slide12.xml><?xml version="1.0" encoding="utf-8"?>
+<p:sld xmlns:a="http://schemas.openxmlformats.org/drawingml/2006/main" xmlns:r="http://schemas.openxmlformats.org/officeDocument/2006/relationships" xmlns:p="http://schemas.openxmlformats.org/presentationml/2006/main">
+  <p:cSld>
+    <p:spTree>
+      <p:nvGrpSpPr>
+        <p:cNvPr id="1" name=""/>
+        <p:cNvGrpSpPr/>
+        <p:nvPr/>
+      </p:nvGrpSpPr>
+      <p:grpSpPr>
+        <a:xfrm>
+          <a:off x="0" y="0"/>
+          <a:ext cx="0" cy="0"/>
+          <a:chOff x="0" y="0"/>
+          <a:chExt cx="0" cy="0"/>
+        </a:xfrm>
+      </p:grpSpPr>
+      <p:sp>
+        <p:nvSpPr>
+          <p:cNvPr id="2" name="Date Placeholder 1">
+            <a:extLst>
+              <a:ext uri="{FF2B5EF4-FFF2-40B4-BE49-F238E27FC236}">
+                <a16:creationId xmlns:a16="http://schemas.microsoft.com/office/drawing/2014/main" id="{793F065A-6B95-7F5F-D18C-A9870476C8EB}"/>
+              </a:ext>
+            </a:extLst>
+          </p:cNvPr>
+          <p:cNvSpPr>
+            <a:spLocks noGrp="1"/>
+          </p:cNvSpPr>
+          <p:nvPr>
+            <p:ph type="dt" sz="half" idx="2"/>
+          </p:nvPr>
+        </p:nvSpPr>
+        <p:spPr/>
+        <p:txBody>
+          <a:bodyPr/>
+          <a:lstStyle/>
+          <a:p>
+            <a:fld id="{72B8B865-6043-45BC-B48D-1676CB43D17A}" type="datetime1">
+              <a:rPr lang="en-US" smtClean="0"/>
+              <a:pPr/>
+              <a:t>6/9/2025</a:t>
+            </a:fld>
+            <a:endParaRPr lang="en-US" dirty="0"/>
+          </a:p>
+        </p:txBody>
+      </p:sp>
+      <p:sp>
+        <p:nvSpPr>
+          <p:cNvPr id="3" name="Slide Number Placeholder 2">
+            <a:extLst>
+              <a:ext uri="{FF2B5EF4-FFF2-40B4-BE49-F238E27FC236}">
+                <a16:creationId xmlns:a16="http://schemas.microsoft.com/office/drawing/2014/main" id="{4DE68A44-F71A-39AA-5F5C-CA7C1012B7F3}"/>
+              </a:ext>
+            </a:extLst>
+          </p:cNvPr>
+          <p:cNvSpPr>
+            <a:spLocks noGrp="1"/>
+          </p:cNvSpPr>
+          <p:nvPr>
+            <p:ph type="sldNum" sz="quarter" idx="4"/>
+          </p:nvPr>
+        </p:nvSpPr>
+        <p:spPr/>
+        <p:txBody>
+          <a:bodyPr/>
+          <a:lstStyle/>
+          <a:p>
+            <a:fld id="{294A09A9-5501-47C1-A89A-A340965A2BE2}" type="slidenum">
+              <a:rPr lang="en-US" smtClean="0"/>
+              <a:pPr/>
+              <a:t>12</a:t>
+            </a:fld>
+            <a:endParaRPr lang="en-US" dirty="0"/>
+          </a:p>
+        </p:txBody>
+      </p:sp>
+      <p:pic>
+        <p:nvPicPr>
+          <p:cNvPr id="5" name="Picture 4">
+            <a:extLst>
+              <a:ext uri="{FF2B5EF4-FFF2-40B4-BE49-F238E27FC236}">
+                <a16:creationId xmlns:a16="http://schemas.microsoft.com/office/drawing/2014/main" id="{4C3B2C76-793D-66E8-120D-E2504FDE3718}"/>
+              </a:ext>
+            </a:extLst>
+          </p:cNvPr>
+          <p:cNvPicPr>
+            <a:picLocks noChangeAspect="1"/>
+          </p:cNvPicPr>
+          <p:nvPr/>
+        </p:nvPicPr>
+        <p:blipFill>
+          <a:blip r:embed="rId2">
+            <a:extLst>
+              <a:ext uri="{28A0092B-C50C-407E-A947-70E740481C1C}">
+                <a14:useLocalDpi xmlns:a14="http://schemas.microsoft.com/office/drawing/2010/main" val="0"/>
+              </a:ext>
+            </a:extLst>
+          </a:blip>
+          <a:srcRect l="26016" r="26250" b="2697"/>
+          <a:stretch>
+            <a:fillRect/>
+          </a:stretch>
+        </p:blipFill>
+        <p:spPr>
+          <a:xfrm>
+            <a:off x="85724" y="117906"/>
+            <a:ext cx="6622227" cy="6108722"/>
+          </a:xfrm>
+          <a:prstGeom prst="rect">
+            <a:avLst/>
+          </a:prstGeom>
+        </p:spPr>
+      </p:pic>
+      <p:sp>
+        <p:nvSpPr>
+          <p:cNvPr id="10" name="TextBox 9">
+            <a:extLst>
+              <a:ext uri="{FF2B5EF4-FFF2-40B4-BE49-F238E27FC236}">
+                <a16:creationId xmlns:a16="http://schemas.microsoft.com/office/drawing/2014/main" id="{6FC00B51-5B7A-427F-751C-3043A684D041}"/>
+              </a:ext>
+            </a:extLst>
+          </p:cNvPr>
+          <p:cNvSpPr txBox="1"/>
+          <p:nvPr/>
+        </p:nvSpPr>
+        <p:spPr>
+          <a:xfrm>
+            <a:off x="6707951" y="117906"/>
+            <a:ext cx="5398325" cy="5909310"/>
+          </a:xfrm>
+          <a:prstGeom prst="rect">
+            <a:avLst/>
+          </a:prstGeom>
+          <a:noFill/>
+        </p:spPr>
+        <p:txBody>
+          <a:bodyPr wrap="square" rtlCol="0">
+            <a:spAutoFit/>
+          </a:bodyPr>
+          <a:lstStyle/>
+          <a:p>
+            <a:pPr algn="just"/>
+            <a:r>
+              <a:rPr lang="en-US" b="1" dirty="0">
+                <a:solidFill>
+                  <a:schemeClr val="accent1">
+                    <a:lumMod val="75000"/>
+                  </a:schemeClr>
+                </a:solidFill>
+                <a:latin typeface="Arial Rounded MT Bold" panose="020F0704030504030204" pitchFamily="34" charset="0"/>
+              </a:rPr>
+              <a:t>Interactive Filters for Team, Player, and Sport </a:t>
+            </a:r>
+            <a:r>
+              <a:rPr lang="en-US" dirty="0">
+                <a:latin typeface="Arial Rounded MT Bold" panose="020F0704030504030204" pitchFamily="34" charset="0"/>
+              </a:rPr>
+              <a:t>enable focused analysis and real-time visual updates.</a:t>
+            </a:r>
+          </a:p>
+          <a:p>
+            <a:pPr algn="just"/>
+            <a:r>
+              <a:rPr lang="en-US" b="1" dirty="0">
+                <a:solidFill>
+                  <a:schemeClr val="accent1">
+                    <a:lumMod val="75000"/>
+                  </a:schemeClr>
+                </a:solidFill>
+                <a:latin typeface="Arial Rounded MT Bold" panose="020F0704030504030204" pitchFamily="34" charset="0"/>
+              </a:rPr>
+              <a:t>KPI Cards display key metrics</a:t>
+            </a:r>
+            <a:r>
+              <a:rPr lang="en-US" dirty="0">
+                <a:latin typeface="Arial Rounded MT Bold" panose="020F0704030504030204" pitchFamily="34" charset="0"/>
+              </a:rPr>
+              <a:t>:</a:t>
+            </a:r>
+          </a:p>
+          <a:p>
+            <a:pPr marL="285750" indent="-285750" algn="just">
+              <a:buFont typeface="Arial" panose="020B0604020202020204" pitchFamily="34" charset="0"/>
+              <a:buChar char="•"/>
+            </a:pPr>
+            <a:r>
+              <a:rPr lang="en-US" dirty="0">
+                <a:latin typeface="Arial Rounded MT Bold" panose="020F0704030504030204" pitchFamily="34" charset="0"/>
+              </a:rPr>
+              <a:t>Matches Won &amp; Success Rate by player speed Minutes Played &amp; Score.</a:t>
+            </a:r>
+          </a:p>
+          <a:p>
+            <a:pPr marL="285750" indent="-285750" algn="just">
+              <a:buFont typeface="Arial" panose="020B0604020202020204" pitchFamily="34" charset="0"/>
+              <a:buChar char="•"/>
+            </a:pPr>
+            <a:r>
+              <a:rPr lang="en-US" dirty="0">
+                <a:latin typeface="Arial Rounded MT Bold" panose="020F0704030504030204" pitchFamily="34" charset="0"/>
+              </a:rPr>
+              <a:t>Assists &amp; Goals by Team.</a:t>
+            </a:r>
+          </a:p>
+          <a:p>
+            <a:pPr marL="285750" indent="-285750" algn="just">
+              <a:buFont typeface="Arial" panose="020B0604020202020204" pitchFamily="34" charset="0"/>
+              <a:buChar char="•"/>
+            </a:pPr>
+            <a:r>
+              <a:rPr lang="en-US" dirty="0">
+                <a:latin typeface="Arial Rounded MT Bold" panose="020F0704030504030204" pitchFamily="34" charset="0"/>
+              </a:rPr>
+              <a:t>Matches Lost &amp; Saves</a:t>
+            </a:r>
+          </a:p>
+          <a:p>
+            <a:pPr algn="just"/>
+            <a:r>
+              <a:rPr lang="en-US" b="1" dirty="0">
+                <a:solidFill>
+                  <a:schemeClr val="accent1">
+                    <a:lumMod val="75000"/>
+                  </a:schemeClr>
+                </a:solidFill>
+                <a:latin typeface="Arial Rounded MT Bold" panose="020F0704030504030204" pitchFamily="34" charset="0"/>
+              </a:rPr>
+              <a:t>Injury Analysis (Line Chart)</a:t>
+            </a:r>
+            <a:r>
+              <a:rPr lang="en-US" dirty="0">
+                <a:latin typeface="Arial Rounded MT Bold" panose="020F0704030504030204" pitchFamily="34" charset="0"/>
+              </a:rPr>
+              <a:t> compares team performance with and without injured players.</a:t>
+            </a:r>
+          </a:p>
+          <a:p>
+            <a:pPr algn="just"/>
+            <a:r>
+              <a:rPr lang="en-US" b="1" dirty="0">
+                <a:solidFill>
+                  <a:schemeClr val="accent1">
+                    <a:lumMod val="75000"/>
+                  </a:schemeClr>
+                </a:solidFill>
+                <a:latin typeface="Arial Rounded MT Bold" panose="020F0704030504030204" pitchFamily="34" charset="0"/>
+              </a:rPr>
+              <a:t>Clustering by Team &amp; Sport (Bar Chart) </a:t>
+            </a:r>
+            <a:r>
+              <a:rPr lang="en-US" dirty="0">
+                <a:latin typeface="Arial Rounded MT Bold" panose="020F0704030504030204" pitchFamily="34" charset="0"/>
+              </a:rPr>
+              <a:t>shows performance grouping using cluster values.</a:t>
+            </a:r>
+          </a:p>
+          <a:p>
+            <a:pPr algn="just"/>
+            <a:r>
+              <a:rPr lang="en-US" b="1" dirty="0">
+                <a:solidFill>
+                  <a:schemeClr val="accent1">
+                    <a:lumMod val="75000"/>
+                  </a:schemeClr>
+                </a:solidFill>
+                <a:latin typeface="Arial Rounded MT Bold" panose="020F0704030504030204" pitchFamily="34" charset="0"/>
+              </a:rPr>
+              <a:t>Performance Insights:</a:t>
+            </a:r>
+          </a:p>
+          <a:p>
+            <a:pPr marL="285750" indent="-285750" algn="just">
+              <a:buFont typeface="Arial" panose="020B0604020202020204" pitchFamily="34" charset="0"/>
+              <a:buChar char="•"/>
+            </a:pPr>
+            <a:r>
+              <a:rPr lang="en-US" dirty="0">
+                <a:latin typeface="Arial Rounded MT Bold" panose="020F0704030504030204" pitchFamily="34" charset="0"/>
+              </a:rPr>
+              <a:t>High speed and consistent minutes correlate with better team results.</a:t>
+            </a:r>
+          </a:p>
+          <a:p>
+            <a:pPr marL="285750" indent="-285750" algn="just">
+              <a:buFont typeface="Arial" panose="020B0604020202020204" pitchFamily="34" charset="0"/>
+              <a:buChar char="•"/>
+            </a:pPr>
+            <a:r>
+              <a:rPr lang="en-US" dirty="0">
+                <a:latin typeface="Arial Rounded MT Bold" panose="020F0704030504030204" pitchFamily="34" charset="0"/>
+              </a:rPr>
+              <a:t>Assists have a strong influence on overall success.</a:t>
+            </a:r>
+          </a:p>
+          <a:p>
+            <a:pPr marL="285750" indent="-285750" algn="just">
+              <a:buFont typeface="Arial" panose="020B0604020202020204" pitchFamily="34" charset="0"/>
+              <a:buChar char="•"/>
+            </a:pPr>
+            <a:r>
+              <a:rPr lang="en-US" dirty="0">
+                <a:latin typeface="Arial Rounded MT Bold" panose="020F0704030504030204" pitchFamily="34" charset="0"/>
+              </a:rPr>
+              <a:t>Injuries negatively affect both matches won and total score.</a:t>
+            </a:r>
+          </a:p>
+          <a:p>
+            <a:pPr marL="285750" indent="-285750" algn="just">
+              <a:buFont typeface="Arial" panose="020B0604020202020204" pitchFamily="34" charset="0"/>
+              <a:buChar char="•"/>
+            </a:pPr>
+            <a:r>
+              <a:rPr lang="en-US" dirty="0">
+                <a:latin typeface="Arial Rounded MT Bold" panose="020F0704030504030204" pitchFamily="34" charset="0"/>
+              </a:rPr>
+              <a:t>Cluster distribution helps identify elite vs average teams.</a:t>
+            </a:r>
+            <a:endParaRPr lang="hi-IN" dirty="0">
+              <a:latin typeface="Arial Rounded MT Bold" panose="020F0704030504030204" pitchFamily="34" charset="0"/>
+            </a:endParaRPr>
+          </a:p>
+        </p:txBody>
+      </p:sp>
+    </p:spTree>
+    <p:extLst>
+      <p:ext uri="{BB962C8B-B14F-4D97-AF65-F5344CB8AC3E}">
+        <p14:creationId xmlns:p14="http://schemas.microsoft.com/office/powerpoint/2010/main" val="380360713"/>
+      </p:ext>
+    </p:extLst>
+  </p:cSld>
+  <p:clrMapOvr>
+    <a:masterClrMapping/>
+  </p:clrMapOvr>
+  <mc:AlternateContent xmlns:mc="http://schemas.openxmlformats.org/markup-compatibility/2006">
+    <mc:Choice xmlns:p15="http://schemas.microsoft.com/office/powerpoint/2012/main" Requires="p15">
+      <p:transition xmlns:p14="http://schemas.microsoft.com/office/powerpoint/2010/main" spd="slow" p14:dur="2000">
+        <p15:prstTrans prst="drape"/>
+      </p:transition>
+    </mc:Choice>
+    <mc:Fallback>
+      <p:transition spd="slow">
+        <p:fade/>
+      </p:transition>
+    </mc:Fallback>
+  </mc:AlternateContent>
+  <p:timing>
+    <p:tnLst>
+      <p:par>
+        <p:cTn id="1" dur="indefinite" restart="never" nodeType="tmRoot">
+          <p:childTnLst>
+            <p:seq concurrent="1" nextAc="seek">
+              <p:cTn id="2" dur="indefinite" nodeType="mainSeq">
+                <p:childTnLst>
                   <p:par>
-                    <p:cTn id="13" fill="hold">
+                    <p:cTn id="3" fill="hold">
                       <p:stCondLst>
                         <p:cond delay="indefinite"/>
                       </p:stCondLst>
                       <p:childTnLst>
                         <p:par>
-                          <p:cTn id="14" fill="hold">
+                          <p:cTn id="4" fill="hold">
                             <p:stCondLst>
                               <p:cond delay="0"/>
                             </p:stCondLst>
                             <p:childTnLst>
                               <p:par>
-                                <p:cTn id="15" presetID="1" presetClass="entr" presetSubtype="0" fill="hold" grpId="0" nodeType="clickEffect">
+                                <p:cTn id="5" presetID="22" presetClass="entr" presetSubtype="4" fill="hold" nodeType="clickEffect">
                                   <p:stCondLst>
                                     <p:cond delay="0"/>
                                   </p:stCondLst>
                                   <p:childTnLst>
                                     <p:set>
                                       <p:cBhvr>
-                                        <p:cTn id="16" dur="1" fill="hold">
+                                        <p:cTn id="6" dur="1" fill="hold">
+                                          <p:stCondLst>
+                                            <p:cond delay="0"/>
+                                          </p:stCondLst>
+                                        </p:cTn>
+                                        <p:tgtEl>
+                                          <p:spTgt spid="5"/>
+                                        </p:tgtEl>
+                                        <p:attrNameLst>
+                                          <p:attrName>style.visibility</p:attrName>
+                                        </p:attrNameLst>
+                                      </p:cBhvr>
+                                      <p:to>
+                                        <p:strVal val="visible"/>
+                                      </p:to>
+                                    </p:set>
+                                    <p:animEffect transition="in" filter="wipe(down)">
+                                      <p:cBhvr>
+                                        <p:cTn id="7" dur="500"/>
+                                        <p:tgtEl>
+                                          <p:spTgt spid="5"/>
+                                        </p:tgtEl>
+                                      </p:cBhvr>
+                                    </p:animEffect>
+                                  </p:childTnLst>
+                                </p:cTn>
+                              </p:par>
+                            </p:childTnLst>
+                          </p:cTn>
+                        </p:par>
+                      </p:childTnLst>
+                    </p:cTn>
+                  </p:par>
+                  <p:par>
+                    <p:cTn id="8" fill="hold">
+                      <p:stCondLst>
+                        <p:cond delay="indefinite"/>
+                      </p:stCondLst>
+                      <p:childTnLst>
+                        <p:par>
+                          <p:cTn id="9" fill="hold">
+                            <p:stCondLst>
+                              <p:cond delay="0"/>
+                            </p:stCondLst>
+                            <p:childTnLst>
+                              <p:par>
+                                <p:cTn id="10" presetID="22" presetClass="entr" presetSubtype="4" fill="hold" grpId="0" nodeType="clickEffect">
+                                  <p:stCondLst>
+                                    <p:cond delay="0"/>
+                                  </p:stCondLst>
+                                  <p:childTnLst>
+                                    <p:set>
+                                      <p:cBhvr>
+                                        <p:cTn id="11" dur="1" fill="hold">
                                           <p:stCondLst>
                                             <p:cond delay="0"/>
                                           </p:stCondLst>
@@ -20912,121 +21326,14 @@
                                         <p:strVal val="visible"/>
                                       </p:to>
                                     </p:set>
-                                  </p:childTnLst>
-                                </p:cTn>
-                              </p:par>
-                              <p:par>
-                                <p:cTn id="17" presetID="22" presetClass="entr" presetSubtype="4" fill="hold" nodeType="withEffect">
-                                  <p:stCondLst>
-                                    <p:cond delay="0"/>
-                                  </p:stCondLst>
-                                  <p:childTnLst>
-                                    <p:set>
-                                      <p:cBhvr>
-                                        <p:cTn id="18" dur="1" fill="hold">
-                                          <p:stCondLst>
-                                            <p:cond delay="0"/>
-                                          </p:stCondLst>
-                                        </p:cTn>
-                                        <p:tgtEl>
-                                          <p:spTgt spid="12"/>
-                                        </p:tgtEl>
-                                        <p:attrNameLst>
-                                          <p:attrName>style.visibility</p:attrName>
-                                        </p:attrNameLst>
-                                      </p:cBhvr>
-                                      <p:to>
-                                        <p:strVal val="visible"/>
-                                      </p:to>
-                                    </p:set>
                                     <p:animEffect transition="in" filter="wipe(down)">
                                       <p:cBhvr>
-                                        <p:cTn id="19" dur="500"/>
+                                        <p:cTn id="12" dur="500"/>
                                         <p:tgtEl>
-                                          <p:spTgt spid="12"/>
+                                          <p:spTgt spid="10"/>
                                         </p:tgtEl>
                                       </p:cBhvr>
                                     </p:animEffect>
-                                  </p:childTnLst>
-                                </p:cTn>
-                              </p:par>
-                            </p:childTnLst>
-                          </p:cTn>
-                        </p:par>
-                      </p:childTnLst>
-                    </p:cTn>
-                  </p:par>
-                  <p:par>
-                    <p:cTn id="20" fill="hold">
-                      <p:stCondLst>
-                        <p:cond delay="indefinite"/>
-                      </p:stCondLst>
-                      <p:childTnLst>
-                        <p:par>
-                          <p:cTn id="21" fill="hold">
-                            <p:stCondLst>
-                              <p:cond delay="0"/>
-                            </p:stCondLst>
-                            <p:childTnLst>
-                              <p:par>
-                                <p:cTn id="22" presetID="22" presetClass="entr" presetSubtype="4" fill="hold" grpId="0" nodeType="clickEffect">
-                                  <p:stCondLst>
-                                    <p:cond delay="0"/>
-                                  </p:stCondLst>
-                                  <p:childTnLst>
-                                    <p:set>
-                                      <p:cBhvr>
-                                        <p:cTn id="23" dur="1" fill="hold">
-                                          <p:stCondLst>
-                                            <p:cond delay="0"/>
-                                          </p:stCondLst>
-                                        </p:cTn>
-                                        <p:tgtEl>
-                                          <p:spTgt spid="22"/>
-                                        </p:tgtEl>
-                                        <p:attrNameLst>
-                                          <p:attrName>style.visibility</p:attrName>
-                                        </p:attrNameLst>
-                                      </p:cBhvr>
-                                      <p:to>
-                                        <p:strVal val="visible"/>
-                                      </p:to>
-                                    </p:set>
-                                    <p:animEffect transition="in" filter="wipe(down)">
-                                      <p:cBhvr>
-                                        <p:cTn id="24" dur="500"/>
-                                        <p:tgtEl>
-                                          <p:spTgt spid="22"/>
-                                        </p:tgtEl>
-                                      </p:cBhvr>
-                                    </p:animEffect>
-                                  </p:childTnLst>
-                                </p:cTn>
-                              </p:par>
-                              <p:par>
-                                <p:cTn id="25" presetID="1" presetClass="entr" presetSubtype="0" fill="hold" grpId="0" nodeType="withEffect">
-                                  <p:stCondLst>
-                                    <p:cond delay="0"/>
-                                  </p:stCondLst>
-                                  <p:childTnLst>
-                                    <p:set>
-                                      <p:cBhvr>
-                                        <p:cTn id="26" dur="1" fill="hold">
-                                          <p:stCondLst>
-                                            <p:cond delay="0"/>
-                                          </p:stCondLst>
-                                        </p:cTn>
-                                        <p:tgtEl>
-                                          <p:spTgt spid="13"/>
-                                        </p:tgtEl>
-                                        <p:attrNameLst>
-                                          <p:attrName>style.visibility</p:attrName>
-                                        </p:attrNameLst>
-                                      </p:cBhvr>
-                                      <p:to>
-                                        <p:strVal val="visible"/>
-                                      </p:to>
-                                    </p:set>
                                   </p:childTnLst>
                                 </p:cTn>
                               </p:par>
@@ -21058,16 +21365,590 @@
       </p:par>
     </p:tnLst>
     <p:bldLst>
-      <p:bldP spid="8" grpId="0"/>
-      <p:bldP spid="10" grpId="0" animBg="1"/>
-      <p:bldP spid="13" grpId="0" animBg="1"/>
-      <p:bldP spid="22" grpId="0"/>
+      <p:bldP spid="10" grpId="0"/>
     </p:bldLst>
   </p:timing>
 </p:sld>
 </file>
 
-<file path=ppt/slides/slide12.xml><?xml version="1.0" encoding="utf-8"?>
+<file path=ppt/slides/slide13.xml><?xml version="1.0" encoding="utf-8"?>
+<p:sld xmlns:a="http://schemas.openxmlformats.org/drawingml/2006/main" xmlns:r="http://schemas.openxmlformats.org/officeDocument/2006/relationships" xmlns:p="http://schemas.openxmlformats.org/presentationml/2006/main">
+  <p:cSld>
+    <p:spTree>
+      <p:nvGrpSpPr>
+        <p:cNvPr id="1" name=""/>
+        <p:cNvGrpSpPr/>
+        <p:nvPr/>
+      </p:nvGrpSpPr>
+      <p:grpSpPr>
+        <a:xfrm>
+          <a:off x="0" y="0"/>
+          <a:ext cx="0" cy="0"/>
+          <a:chOff x="0" y="0"/>
+          <a:chExt cx="0" cy="0"/>
+        </a:xfrm>
+      </p:grpSpPr>
+      <p:sp>
+        <p:nvSpPr>
+          <p:cNvPr id="2" name="Title 1">
+            <a:extLst>
+              <a:ext uri="{FF2B5EF4-FFF2-40B4-BE49-F238E27FC236}">
+                <a16:creationId xmlns:a16="http://schemas.microsoft.com/office/drawing/2014/main" id="{A7A01003-5886-5A0B-F2AD-F3A1BFC12A31}"/>
+              </a:ext>
+            </a:extLst>
+          </p:cNvPr>
+          <p:cNvSpPr>
+            <a:spLocks noGrp="1"/>
+          </p:cNvSpPr>
+          <p:nvPr>
+            <p:ph type="title"/>
+          </p:nvPr>
+        </p:nvSpPr>
+        <p:spPr>
+          <a:xfrm>
+            <a:off x="334979" y="273036"/>
+            <a:ext cx="6790098" cy="899387"/>
+          </a:xfrm>
+        </p:spPr>
+        <p:txBody>
+          <a:bodyPr/>
+          <a:lstStyle/>
+          <a:p>
+            <a:r>
+              <a:rPr lang="en-IN" sz="2800" dirty="0" err="1">
+                <a:latin typeface="Arial Rounded MT Bold" panose="020F0704030504030204" pitchFamily="34" charset="0"/>
+              </a:rPr>
+              <a:t>Streamlit</a:t>
+            </a:r>
+            <a:r>
+              <a:rPr lang="en-IN" sz="2800" dirty="0">
+                <a:latin typeface="Arial Rounded MT Bold" panose="020F0704030504030204" pitchFamily="34" charset="0"/>
+              </a:rPr>
+              <a:t> App: Sports Performance Analyzer</a:t>
+            </a:r>
+            <a:endParaRPr lang="hi-IN" sz="2800" dirty="0">
+              <a:latin typeface="Arial Rounded MT Bold" panose="020F0704030504030204" pitchFamily="34" charset="0"/>
+            </a:endParaRPr>
+          </a:p>
+        </p:txBody>
+      </p:sp>
+      <p:sp>
+        <p:nvSpPr>
+          <p:cNvPr id="3" name="Text Placeholder 2">
+            <a:extLst>
+              <a:ext uri="{FF2B5EF4-FFF2-40B4-BE49-F238E27FC236}">
+                <a16:creationId xmlns:a16="http://schemas.microsoft.com/office/drawing/2014/main" id="{7EE8ED17-7377-2A88-2CDF-07D534EFE6FF}"/>
+              </a:ext>
+            </a:extLst>
+          </p:cNvPr>
+          <p:cNvSpPr>
+            <a:spLocks noGrp="1"/>
+          </p:cNvSpPr>
+          <p:nvPr>
+            <p:ph type="body" sz="quarter" idx="10"/>
+          </p:nvPr>
+        </p:nvSpPr>
+        <p:spPr>
+          <a:xfrm>
+            <a:off x="6790100" y="336410"/>
+            <a:ext cx="5097412" cy="5512129"/>
+          </a:xfrm>
+        </p:spPr>
+        <p:txBody>
+          <a:bodyPr/>
+          <a:lstStyle/>
+          <a:p>
+            <a:pPr marL="0" indent="0" algn="just">
+              <a:buNone/>
+            </a:pPr>
+            <a:r>
+              <a:rPr lang="en-US" dirty="0">
+                <a:latin typeface="Arial Rounded MT Bold" panose="020F0704030504030204" pitchFamily="34" charset="0"/>
+              </a:rPr>
+              <a:t>This interactive web application was built using </a:t>
+            </a:r>
+            <a:r>
+              <a:rPr lang="en-US" b="1" dirty="0" err="1">
+                <a:solidFill>
+                  <a:schemeClr val="accent1"/>
+                </a:solidFill>
+                <a:latin typeface="Arial Rounded MT Bold" panose="020F0704030504030204" pitchFamily="34" charset="0"/>
+              </a:rPr>
+              <a:t>Streamlit</a:t>
+            </a:r>
+            <a:r>
+              <a:rPr lang="en-US" dirty="0">
+                <a:latin typeface="Arial Rounded MT Bold" panose="020F0704030504030204" pitchFamily="34" charset="0"/>
+              </a:rPr>
+              <a:t> to analyze sports performance data. The app allows users to predict two key performance metrics  </a:t>
+            </a:r>
+            <a:r>
+              <a:rPr lang="en-US" b="1" dirty="0">
+                <a:solidFill>
+                  <a:schemeClr val="accent1"/>
+                </a:solidFill>
+                <a:latin typeface="Arial Rounded MT Bold" panose="020F0704030504030204" pitchFamily="34" charset="0"/>
+              </a:rPr>
+              <a:t>goals and success rate</a:t>
+            </a:r>
+            <a:r>
+              <a:rPr lang="en-US" dirty="0">
+                <a:solidFill>
+                  <a:schemeClr val="accent1"/>
+                </a:solidFill>
+                <a:latin typeface="Arial Rounded MT Bold" panose="020F0704030504030204" pitchFamily="34" charset="0"/>
+              </a:rPr>
+              <a:t> </a:t>
+            </a:r>
+            <a:r>
+              <a:rPr lang="en-US" dirty="0">
+                <a:latin typeface="Arial Rounded MT Bold" panose="020F0704030504030204" pitchFamily="34" charset="0"/>
+              </a:rPr>
+              <a:t>using multi-output regression powered by a Random Forest model. Features such as </a:t>
+            </a:r>
+            <a:r>
+              <a:rPr lang="en-US" b="1" dirty="0">
+                <a:solidFill>
+                  <a:schemeClr val="accent1"/>
+                </a:solidFill>
+                <a:latin typeface="Arial Rounded MT Bold" panose="020F0704030504030204" pitchFamily="34" charset="0"/>
+              </a:rPr>
+              <a:t>assists, passes completed, minutes played, injuries, saves, and speed</a:t>
+            </a:r>
+            <a:r>
+              <a:rPr lang="en-US" dirty="0">
+                <a:latin typeface="Arial Rounded MT Bold" panose="020F0704030504030204" pitchFamily="34" charset="0"/>
+              </a:rPr>
+              <a:t> are used to train the model, and the app displays </a:t>
+            </a:r>
+            <a:r>
+              <a:rPr lang="en-US" b="1" dirty="0">
+                <a:solidFill>
+                  <a:schemeClr val="accent1"/>
+                </a:solidFill>
+                <a:latin typeface="Arial Rounded MT Bold" panose="020F0704030504030204" pitchFamily="34" charset="0"/>
+              </a:rPr>
+              <a:t>R² scores</a:t>
+            </a:r>
+            <a:r>
+              <a:rPr lang="en-US" dirty="0">
+                <a:solidFill>
+                  <a:schemeClr val="accent1"/>
+                </a:solidFill>
+                <a:latin typeface="Arial Rounded MT Bold" panose="020F0704030504030204" pitchFamily="34" charset="0"/>
+              </a:rPr>
+              <a:t> </a:t>
+            </a:r>
+            <a:r>
+              <a:rPr lang="en-US" dirty="0">
+                <a:latin typeface="Arial Rounded MT Bold" panose="020F0704030504030204" pitchFamily="34" charset="0"/>
+              </a:rPr>
+              <a:t>and feature importances for both targets. A </a:t>
+            </a:r>
+            <a:r>
+              <a:rPr lang="en-US" b="1" dirty="0" err="1">
+                <a:solidFill>
+                  <a:schemeClr val="accent1"/>
+                </a:solidFill>
+                <a:latin typeface="Arial Rounded MT Bold" panose="020F0704030504030204" pitchFamily="34" charset="0"/>
+              </a:rPr>
+              <a:t>KMeans</a:t>
+            </a:r>
+            <a:r>
+              <a:rPr lang="en-US" b="1" dirty="0">
+                <a:solidFill>
+                  <a:schemeClr val="accent1"/>
+                </a:solidFill>
+                <a:latin typeface="Arial Rounded MT Bold" panose="020F0704030504030204" pitchFamily="34" charset="0"/>
+              </a:rPr>
+              <a:t> clustering</a:t>
+            </a:r>
+            <a:r>
+              <a:rPr lang="en-US" dirty="0">
+                <a:latin typeface="Arial Rounded MT Bold" panose="020F0704030504030204" pitchFamily="34" charset="0"/>
+              </a:rPr>
+              <a:t> section groups players based on performance attributes to help identify high-potential or underperforming players. The app also offers </a:t>
+            </a:r>
+            <a:r>
+              <a:rPr lang="en-US" b="1" dirty="0">
+                <a:solidFill>
+                  <a:schemeClr val="accent1"/>
+                </a:solidFill>
+                <a:latin typeface="Arial Rounded MT Bold" panose="020F0704030504030204" pitchFamily="34" charset="0"/>
+              </a:rPr>
+              <a:t>tactical suggestions</a:t>
+            </a:r>
+            <a:r>
+              <a:rPr lang="en-US" dirty="0">
+                <a:solidFill>
+                  <a:schemeClr val="accent1"/>
+                </a:solidFill>
+                <a:latin typeface="Arial Rounded MT Bold" panose="020F0704030504030204" pitchFamily="34" charset="0"/>
+              </a:rPr>
+              <a:t>, </a:t>
+            </a:r>
+            <a:r>
+              <a:rPr lang="en-US" dirty="0">
+                <a:latin typeface="Arial Rounded MT Bold" panose="020F0704030504030204" pitchFamily="34" charset="0"/>
+              </a:rPr>
+              <a:t>listing top scorers and efficient players based on calculated stats. Through its clean interface and integrated charts (scatterplots, bar graphs), the app provides valuable insights without requiring any coding making it ideal for coaches, analysts, and data science enthusiasts alike.</a:t>
+            </a:r>
+            <a:endParaRPr lang="hi-IN" dirty="0">
+              <a:latin typeface="Arial Rounded MT Bold" panose="020F0704030504030204" pitchFamily="34" charset="0"/>
+            </a:endParaRPr>
+          </a:p>
+        </p:txBody>
+      </p:sp>
+      <p:sp>
+        <p:nvSpPr>
+          <p:cNvPr id="4" name="Date Placeholder 3">
+            <a:extLst>
+              <a:ext uri="{FF2B5EF4-FFF2-40B4-BE49-F238E27FC236}">
+                <a16:creationId xmlns:a16="http://schemas.microsoft.com/office/drawing/2014/main" id="{E7D7CD6E-B09A-00A1-06FE-BB656CC1C5FE}"/>
+              </a:ext>
+            </a:extLst>
+          </p:cNvPr>
+          <p:cNvSpPr>
+            <a:spLocks noGrp="1"/>
+          </p:cNvSpPr>
+          <p:nvPr>
+            <p:ph type="dt" sz="half" idx="2"/>
+          </p:nvPr>
+        </p:nvSpPr>
+        <p:spPr/>
+        <p:txBody>
+          <a:bodyPr/>
+          <a:lstStyle/>
+          <a:p>
+            <a:fld id="{72B8B865-6043-45BC-B48D-1676CB43D17A}" type="datetime1">
+              <a:rPr lang="en-US" smtClean="0"/>
+              <a:pPr/>
+              <a:t>6/9/2025</a:t>
+            </a:fld>
+            <a:endParaRPr lang="en-US" dirty="0"/>
+          </a:p>
+        </p:txBody>
+      </p:sp>
+      <p:sp>
+        <p:nvSpPr>
+          <p:cNvPr id="5" name="Slide Number Placeholder 4">
+            <a:extLst>
+              <a:ext uri="{FF2B5EF4-FFF2-40B4-BE49-F238E27FC236}">
+                <a16:creationId xmlns:a16="http://schemas.microsoft.com/office/drawing/2014/main" id="{A98DD965-216F-EA0A-3E23-BD4332C52DF8}"/>
+              </a:ext>
+            </a:extLst>
+          </p:cNvPr>
+          <p:cNvSpPr>
+            <a:spLocks noGrp="1"/>
+          </p:cNvSpPr>
+          <p:nvPr>
+            <p:ph type="sldNum" sz="quarter" idx="4"/>
+          </p:nvPr>
+        </p:nvSpPr>
+        <p:spPr/>
+        <p:txBody>
+          <a:bodyPr/>
+          <a:lstStyle/>
+          <a:p>
+            <a:fld id="{294A09A9-5501-47C1-A89A-A340965A2BE2}" type="slidenum">
+              <a:rPr lang="en-US" smtClean="0"/>
+              <a:pPr/>
+              <a:t>13</a:t>
+            </a:fld>
+            <a:endParaRPr lang="en-US" dirty="0"/>
+          </a:p>
+        </p:txBody>
+      </p:sp>
+      <p:sp>
+        <p:nvSpPr>
+          <p:cNvPr id="6" name="Rectangle 5">
+            <a:extLst>
+              <a:ext uri="{FF2B5EF4-FFF2-40B4-BE49-F238E27FC236}">
+                <a16:creationId xmlns:a16="http://schemas.microsoft.com/office/drawing/2014/main" id="{8328CDE1-2A9A-030C-54F9-CE3196A08B9E}"/>
+              </a:ext>
+            </a:extLst>
+          </p:cNvPr>
+          <p:cNvSpPr/>
+          <p:nvPr/>
+        </p:nvSpPr>
+        <p:spPr>
+          <a:xfrm>
+            <a:off x="443621" y="1303699"/>
+            <a:ext cx="6346478" cy="4481466"/>
+          </a:xfrm>
+          <a:prstGeom prst="rect">
+            <a:avLst/>
+          </a:prstGeom>
+        </p:spPr>
+        <p:style>
+          <a:lnRef idx="2">
+            <a:schemeClr val="accent1">
+              <a:shade val="15000"/>
+            </a:schemeClr>
+          </a:lnRef>
+          <a:fillRef idx="1">
+            <a:schemeClr val="accent1"/>
+          </a:fillRef>
+          <a:effectRef idx="0">
+            <a:schemeClr val="accent1"/>
+          </a:effectRef>
+          <a:fontRef idx="minor">
+            <a:schemeClr val="lt1"/>
+          </a:fontRef>
+        </p:style>
+        <p:txBody>
+          <a:bodyPr rtlCol="0" anchor="ctr"/>
+          <a:lstStyle/>
+          <a:p>
+            <a:pPr algn="ctr"/>
+            <a:endParaRPr lang="hi-IN"/>
+          </a:p>
+        </p:txBody>
+      </p:sp>
+      <p:pic>
+        <p:nvPicPr>
+          <p:cNvPr id="9" name="Picture 8">
+            <a:extLst>
+              <a:ext uri="{FF2B5EF4-FFF2-40B4-BE49-F238E27FC236}">
+                <a16:creationId xmlns:a16="http://schemas.microsoft.com/office/drawing/2014/main" id="{5A51046C-4BE8-7B96-CBF8-16E62C4408F5}"/>
+              </a:ext>
+            </a:extLst>
+          </p:cNvPr>
+          <p:cNvPicPr>
+            <a:picLocks noChangeAspect="1"/>
+          </p:cNvPicPr>
+          <p:nvPr/>
+        </p:nvPicPr>
+        <p:blipFill>
+          <a:blip r:embed="rId2">
+            <a:extLst>
+              <a:ext uri="{28A0092B-C50C-407E-A947-70E740481C1C}">
+                <a14:useLocalDpi xmlns:a14="http://schemas.microsoft.com/office/drawing/2010/main" val="0"/>
+              </a:ext>
+            </a:extLst>
+          </a:blip>
+          <a:stretch>
+            <a:fillRect/>
+          </a:stretch>
+        </p:blipFill>
+        <p:spPr>
+          <a:xfrm>
+            <a:off x="443620" y="1303699"/>
+            <a:ext cx="6346478" cy="4481466"/>
+          </a:xfrm>
+          <a:prstGeom prst="rect">
+            <a:avLst/>
+          </a:prstGeom>
+        </p:spPr>
+      </p:pic>
+    </p:spTree>
+    <p:extLst>
+      <p:ext uri="{BB962C8B-B14F-4D97-AF65-F5344CB8AC3E}">
+        <p14:creationId xmlns:p14="http://schemas.microsoft.com/office/powerpoint/2010/main" val="3827754534"/>
+      </p:ext>
+    </p:extLst>
+  </p:cSld>
+  <p:clrMapOvr>
+    <a:masterClrMapping/>
+  </p:clrMapOvr>
+  <p:timing>
+    <p:tnLst>
+      <p:par>
+        <p:cTn id="1" dur="indefinite" restart="never" nodeType="tmRoot">
+          <p:childTnLst>
+            <p:seq concurrent="1" nextAc="seek">
+              <p:cTn id="2" dur="indefinite" nodeType="mainSeq">
+                <p:childTnLst>
+                  <p:par>
+                    <p:cTn id="3" fill="hold">
+                      <p:stCondLst>
+                        <p:cond delay="indefinite"/>
+                      </p:stCondLst>
+                      <p:childTnLst>
+                        <p:par>
+                          <p:cTn id="4" fill="hold">
+                            <p:stCondLst>
+                              <p:cond delay="0"/>
+                            </p:stCondLst>
+                            <p:childTnLst>
+                              <p:par>
+                                <p:cTn id="5" presetID="55" presetClass="entr" presetSubtype="0" fill="hold" grpId="0" nodeType="clickEffect">
+                                  <p:stCondLst>
+                                    <p:cond delay="0"/>
+                                  </p:stCondLst>
+                                  <p:childTnLst>
+                                    <p:set>
+                                      <p:cBhvr>
+                                        <p:cTn id="6" dur="1" fill="hold">
+                                          <p:stCondLst>
+                                            <p:cond delay="0"/>
+                                          </p:stCondLst>
+                                        </p:cTn>
+                                        <p:tgtEl>
+                                          <p:spTgt spid="2"/>
+                                        </p:tgtEl>
+                                        <p:attrNameLst>
+                                          <p:attrName>style.visibility</p:attrName>
+                                        </p:attrNameLst>
+                                      </p:cBhvr>
+                                      <p:to>
+                                        <p:strVal val="visible"/>
+                                      </p:to>
+                                    </p:set>
+                                    <p:anim calcmode="lin" valueType="num">
+                                      <p:cBhvr>
+                                        <p:cTn id="7" dur="1000" fill="hold"/>
+                                        <p:tgtEl>
+                                          <p:spTgt spid="2"/>
+                                        </p:tgtEl>
+                                        <p:attrNameLst>
+                                          <p:attrName>ppt_w</p:attrName>
+                                        </p:attrNameLst>
+                                      </p:cBhvr>
+                                      <p:tavLst>
+                                        <p:tav tm="0">
+                                          <p:val>
+                                            <p:strVal val="#ppt_w*0.70"/>
+                                          </p:val>
+                                        </p:tav>
+                                        <p:tav tm="100000">
+                                          <p:val>
+                                            <p:strVal val="#ppt_w"/>
+                                          </p:val>
+                                        </p:tav>
+                                      </p:tavLst>
+                                    </p:anim>
+                                    <p:anim calcmode="lin" valueType="num">
+                                      <p:cBhvr>
+                                        <p:cTn id="8" dur="1000" fill="hold"/>
+                                        <p:tgtEl>
+                                          <p:spTgt spid="2"/>
+                                        </p:tgtEl>
+                                        <p:attrNameLst>
+                                          <p:attrName>ppt_h</p:attrName>
+                                        </p:attrNameLst>
+                                      </p:cBhvr>
+                                      <p:tavLst>
+                                        <p:tav tm="0">
+                                          <p:val>
+                                            <p:strVal val="#ppt_h"/>
+                                          </p:val>
+                                        </p:tav>
+                                        <p:tav tm="100000">
+                                          <p:val>
+                                            <p:strVal val="#ppt_h"/>
+                                          </p:val>
+                                        </p:tav>
+                                      </p:tavLst>
+                                    </p:anim>
+                                    <p:animEffect transition="in" filter="fade">
+                                      <p:cBhvr>
+                                        <p:cTn id="9" dur="1000"/>
+                                        <p:tgtEl>
+                                          <p:spTgt spid="2"/>
+                                        </p:tgtEl>
+                                      </p:cBhvr>
+                                    </p:animEffect>
+                                  </p:childTnLst>
+                                </p:cTn>
+                              </p:par>
+                            </p:childTnLst>
+                          </p:cTn>
+                        </p:par>
+                      </p:childTnLst>
+                    </p:cTn>
+                  </p:par>
+                  <p:par>
+                    <p:cTn id="10" fill="hold">
+                      <p:stCondLst>
+                        <p:cond delay="indefinite"/>
+                      </p:stCondLst>
+                      <p:childTnLst>
+                        <p:par>
+                          <p:cTn id="11" fill="hold">
+                            <p:stCondLst>
+                              <p:cond delay="0"/>
+                            </p:stCondLst>
+                            <p:childTnLst>
+                              <p:par>
+                                <p:cTn id="12" presetID="22" presetClass="entr" presetSubtype="4" fill="hold" grpId="0" nodeType="clickEffect">
+                                  <p:stCondLst>
+                                    <p:cond delay="0"/>
+                                  </p:stCondLst>
+                                  <p:childTnLst>
+                                    <p:set>
+                                      <p:cBhvr>
+                                        <p:cTn id="13" dur="1" fill="hold">
+                                          <p:stCondLst>
+                                            <p:cond delay="0"/>
+                                          </p:stCondLst>
+                                        </p:cTn>
+                                        <p:tgtEl>
+                                          <p:spTgt spid="3">
+                                            <p:txEl>
+                                              <p:pRg st="0" end="0"/>
+                                            </p:txEl>
+                                          </p:spTgt>
+                                        </p:tgtEl>
+                                        <p:attrNameLst>
+                                          <p:attrName>style.visibility</p:attrName>
+                                        </p:attrNameLst>
+                                      </p:cBhvr>
+                                      <p:to>
+                                        <p:strVal val="visible"/>
+                                      </p:to>
+                                    </p:set>
+                                    <p:animEffect transition="in" filter="wipe(down)">
+                                      <p:cBhvr>
+                                        <p:cTn id="14" dur="500"/>
+                                        <p:tgtEl>
+                                          <p:spTgt spid="3">
+                                            <p:txEl>
+                                              <p:pRg st="0" end="0"/>
+                                            </p:txEl>
+                                          </p:spTgt>
+                                        </p:tgtEl>
+                                      </p:cBhvr>
+                                    </p:animEffect>
+                                  </p:childTnLst>
+                                </p:cTn>
+                              </p:par>
+                            </p:childTnLst>
+                          </p:cTn>
+                        </p:par>
+                      </p:childTnLst>
+                    </p:cTn>
+                  </p:par>
+                </p:childTnLst>
+              </p:cTn>
+              <p:prevCondLst>
+                <p:cond evt="onPrev" delay="0">
+                  <p:tgtEl>
+                    <p:sldTgt/>
+                  </p:tgtEl>
+                </p:cond>
+              </p:prevCondLst>
+              <p:nextCondLst>
+                <p:cond evt="onNext" delay="0">
+                  <p:tgtEl>
+                    <p:sldTgt/>
+                  </p:tgtEl>
+                </p:cond>
+              </p:nextCondLst>
+            </p:seq>
+          </p:childTnLst>
+        </p:cTn>
+      </p:par>
+    </p:tnLst>
+    <p:bldLst>
+      <p:bldP spid="2" grpId="0"/>
+      <p:bldP spid="3" grpId="0" build="p"/>
+    </p:bldLst>
+  </p:timing>
+</p:sld>
+</file>
+
+<file path=ppt/slides/slide14.xml><?xml version="1.0" encoding="utf-8"?>
 <p:sld xmlns:a="http://schemas.openxmlformats.org/drawingml/2006/main" xmlns:r="http://schemas.openxmlformats.org/officeDocument/2006/relationships" xmlns:p="http://schemas.openxmlformats.org/presentationml/2006/main">
   <p:cSld>
     <p:spTree>
@@ -21222,7 +22103,7 @@
             <a:fld id="{294A09A9-5501-47C1-A89A-A340965A2BE2}" type="slidenum">
               <a:rPr lang="en-US" smtClean="0"/>
               <a:pPr/>
-              <a:t>12</a:t>
+              <a:t>14</a:t>
             </a:fld>
             <a:endParaRPr lang="en-US" dirty="0"/>
           </a:p>
@@ -21238,13 +22119,13 @@
   <p:clrMapOvr>
     <a:masterClrMapping/>
   </p:clrMapOvr>
-  <mc:AlternateContent xmlns:mc="http://schemas.openxmlformats.org/markup-compatibility/2006">
-    <mc:Choice xmlns:p15="http://schemas.microsoft.com/office/powerpoint/2012/main" Requires="p15">
+  <mc:AlternateContent xmlns:mc="http://schemas.openxmlformats.org/markup-compatibility/2006" xmlns:p15="http://schemas.microsoft.com/office/powerpoint/2012/main">
+    <mc:Choice Requires="p15">
       <p:transition xmlns:p14="http://schemas.microsoft.com/office/powerpoint/2010/main" spd="slow" p14:dur="2000">
         <p15:prstTrans prst="drape"/>
       </p:transition>
     </mc:Choice>
-    <mc:Fallback>
+    <mc:Fallback xmlns="">
       <p:transition spd="slow">
         <p:fade/>
       </p:transition>
@@ -21401,7 +22282,7 @@
 </p:sld>
 </file>
 
-<file path=ppt/slides/slide13.xml><?xml version="1.0" encoding="utf-8"?>
+<file path=ppt/slides/slide15.xml><?xml version="1.0" encoding="utf-8"?>
 <p:sld xmlns:a="http://schemas.openxmlformats.org/drawingml/2006/main" xmlns:r="http://schemas.openxmlformats.org/officeDocument/2006/relationships" xmlns:p="http://schemas.openxmlformats.org/presentationml/2006/main">
   <p:cSld>
     <p:spTree>
@@ -21511,7 +22392,7 @@
             <a:fld id="{294A09A9-5501-47C1-A89A-A340965A2BE2}" type="slidenum">
               <a:rPr lang="en-US" smtClean="0"/>
               <a:pPr/>
-              <a:t>13</a:t>
+              <a:t>15</a:t>
             </a:fld>
             <a:endParaRPr lang="en-US" dirty="0"/>
           </a:p>
@@ -21527,13 +22408,13 @@
   <p:clrMapOvr>
     <a:masterClrMapping/>
   </p:clrMapOvr>
-  <mc:AlternateContent xmlns:mc="http://schemas.openxmlformats.org/markup-compatibility/2006">
-    <mc:Choice xmlns:p15="http://schemas.microsoft.com/office/powerpoint/2012/main" Requires="p15">
+  <mc:AlternateContent xmlns:mc="http://schemas.openxmlformats.org/markup-compatibility/2006" xmlns:p15="http://schemas.microsoft.com/office/powerpoint/2012/main">
+    <mc:Choice Requires="p15">
       <p:transition xmlns:p14="http://schemas.microsoft.com/office/powerpoint/2010/main" spd="slow" p14:dur="2000">
         <p15:prstTrans prst="drape"/>
       </p:transition>
     </mc:Choice>
-    <mc:Fallback>
+    <mc:Fallback xmlns="">
       <p:transition spd="slow">
         <p:fade/>
       </p:transition>
@@ -21847,13 +22728,13 @@
   <p:clrMapOvr>
     <a:masterClrMapping/>
   </p:clrMapOvr>
-  <mc:AlternateContent xmlns:mc="http://schemas.openxmlformats.org/markup-compatibility/2006">
-    <mc:Choice xmlns:p15="http://schemas.microsoft.com/office/powerpoint/2012/main" Requires="p15">
+  <mc:AlternateContent xmlns:mc="http://schemas.openxmlformats.org/markup-compatibility/2006" xmlns:p15="http://schemas.microsoft.com/office/powerpoint/2012/main">
+    <mc:Choice Requires="p15">
       <p:transition xmlns:p14="http://schemas.microsoft.com/office/powerpoint/2010/main" spd="slow" p14:dur="2000">
         <p15:prstTrans prst="drape"/>
       </p:transition>
     </mc:Choice>
-    <mc:Fallback>
+    <mc:Fallback xmlns="">
       <p:transition spd="slow">
         <p:fade/>
       </p:transition>
@@ -22371,7 +23252,10 @@
               <a:t>This project, titled </a:t>
             </a:r>
             <a:r>
-              <a:rPr lang="en-US" sz="2400" i="1" dirty="0">
+              <a:rPr lang="en-US" sz="2400" b="1" i="1" dirty="0">
+                <a:solidFill>
+                  <a:schemeClr val="accent1"/>
+                </a:solidFill>
                 <a:latin typeface="Arial Rounded MT Bold" panose="020F0704030504030204" pitchFamily="34" charset="0"/>
               </a:rPr>
               <a:t>Sports Performance Analysis</a:t>
@@ -22380,7 +23264,37 @@
               <a:rPr lang="en-US" sz="2400" dirty="0">
                 <a:latin typeface="Arial Rounded MT Bold" panose="020F0704030504030204" pitchFamily="34" charset="0"/>
               </a:rPr>
-              <a:t>, focuses on evaluating player and team performance using statistical data. The primary objective is to identify patterns, understand strengths and weaknesses, and suggest tactical improvements. It integrates Python for data processing, Power BI for dashboard creation, and machine learning techniques for pattern discovery. The project combines real-time metrics like goals, speed, and assists with analytical tools to deliver insightful visualizations. Overall, it serves as a comprehensive case of applying data science in sports analytics.</a:t>
+              <a:t>, focuses on evaluating player and team performance using statistical data. The primary objective is to </a:t>
+            </a:r>
+            <a:r>
+              <a:rPr lang="en-US" sz="2400" b="1" dirty="0">
+                <a:solidFill>
+                  <a:schemeClr val="accent1"/>
+                </a:solidFill>
+                <a:latin typeface="Arial Rounded MT Bold" panose="020F0704030504030204" pitchFamily="34" charset="0"/>
+              </a:rPr>
+              <a:t>identify patterns, understand strengths and weaknesses, and suggest tactical improvements</a:t>
+            </a:r>
+            <a:r>
+              <a:rPr lang="en-US" sz="2400" dirty="0">
+                <a:latin typeface="Arial Rounded MT Bold" panose="020F0704030504030204" pitchFamily="34" charset="0"/>
+              </a:rPr>
+              <a:t>. It integrates Python for data processing, Power BI for dashboard creation, and machine learning techniques for pattern discovery. The project combines </a:t>
+            </a:r>
+            <a:r>
+              <a:rPr lang="en-US" sz="2400" b="1" dirty="0">
+                <a:solidFill>
+                  <a:schemeClr val="accent1"/>
+                </a:solidFill>
+                <a:latin typeface="Arial Rounded MT Bold" panose="020F0704030504030204" pitchFamily="34" charset="0"/>
+              </a:rPr>
+              <a:t>real-time metrics like goals, speed, and assists </a:t>
+            </a:r>
+            <a:r>
+              <a:rPr lang="en-US" sz="2400" dirty="0">
+                <a:latin typeface="Arial Rounded MT Bold" panose="020F0704030504030204" pitchFamily="34" charset="0"/>
+              </a:rPr>
+              <a:t>with analytical tools to deliver insightful visualizations. Overall, it serves as a comprehensive case of applying data science in sports analytics.</a:t>
             </a:r>
             <a:endParaRPr lang="hi-IN" sz="2400" dirty="0">
               <a:latin typeface="Arial Rounded MT Bold" panose="020F0704030504030204" pitchFamily="34" charset="0"/>
@@ -22398,13 +23312,13 @@
   <p:clrMapOvr>
     <a:masterClrMapping/>
   </p:clrMapOvr>
-  <mc:AlternateContent xmlns:mc="http://schemas.openxmlformats.org/markup-compatibility/2006">
-    <mc:Choice xmlns:p15="http://schemas.microsoft.com/office/powerpoint/2012/main" Requires="p15">
+  <mc:AlternateContent xmlns:mc="http://schemas.openxmlformats.org/markup-compatibility/2006" xmlns:p15="http://schemas.microsoft.com/office/powerpoint/2012/main">
+    <mc:Choice Requires="p15">
       <p:transition xmlns:p14="http://schemas.microsoft.com/office/powerpoint/2010/main" spd="slow" p14:dur="2000">
         <p15:prstTrans prst="drape"/>
       </p:transition>
     </mc:Choice>
-    <mc:Fallback>
+    <mc:Fallback xmlns="">
       <p:transition spd="slow">
         <p:fade/>
       </p:transition>
@@ -22744,13 +23658,13 @@
   <p:clrMapOvr>
     <a:masterClrMapping/>
   </p:clrMapOvr>
-  <mc:AlternateContent xmlns:mc="http://schemas.openxmlformats.org/markup-compatibility/2006">
-    <mc:Choice xmlns:p15="http://schemas.microsoft.com/office/powerpoint/2012/main" Requires="p15">
+  <mc:AlternateContent xmlns:mc="http://schemas.openxmlformats.org/markup-compatibility/2006" xmlns:p15="http://schemas.microsoft.com/office/powerpoint/2012/main">
+    <mc:Choice Requires="p15">
       <p:transition xmlns:p14="http://schemas.microsoft.com/office/powerpoint/2010/main" spd="slow" p14:dur="2000">
         <p15:prstTrans prst="drape"/>
       </p:transition>
     </mc:Choice>
-    <mc:Fallback>
+    <mc:Fallback xmlns="">
       <p:transition spd="slow">
         <p:fade/>
       </p:transition>
@@ -23050,13 +23964,13 @@
   <p:clrMapOvr>
     <a:masterClrMapping/>
   </p:clrMapOvr>
-  <mc:AlternateContent xmlns:mc="http://schemas.openxmlformats.org/markup-compatibility/2006">
-    <mc:Choice xmlns:p15="http://schemas.microsoft.com/office/powerpoint/2012/main" Requires="p15">
+  <mc:AlternateContent xmlns:mc="http://schemas.openxmlformats.org/markup-compatibility/2006" xmlns:p15="http://schemas.microsoft.com/office/powerpoint/2012/main">
+    <mc:Choice Requires="p15">
       <p:transition xmlns:p14="http://schemas.microsoft.com/office/powerpoint/2010/main" spd="slow" p14:dur="2000">
         <p15:prstTrans prst="drape"/>
       </p:transition>
     </mc:Choice>
-    <mc:Fallback>
+    <mc:Fallback xmlns="">
       <p:transition spd="slow">
         <p:fade/>
       </p:transition>
@@ -23541,13 +24455,13 @@
   <p:clrMapOvr>
     <a:masterClrMapping/>
   </p:clrMapOvr>
-  <mc:AlternateContent xmlns:mc="http://schemas.openxmlformats.org/markup-compatibility/2006">
-    <mc:Choice xmlns:p15="http://schemas.microsoft.com/office/powerpoint/2012/main" Requires="p15">
+  <mc:AlternateContent xmlns:mc="http://schemas.openxmlformats.org/markup-compatibility/2006" xmlns:p15="http://schemas.microsoft.com/office/powerpoint/2012/main">
+    <mc:Choice Requires="p15">
       <p:transition xmlns:p14="http://schemas.microsoft.com/office/powerpoint/2010/main" spd="slow" p14:dur="2000">
         <p15:prstTrans prst="drape"/>
       </p:transition>
     </mc:Choice>
-    <mc:Fallback>
+    <mc:Fallback xmlns="">
       <p:transition spd="slow">
         <p:fade/>
       </p:transition>
@@ -24276,13 +25190,13 @@
   <p:clrMapOvr>
     <a:masterClrMapping/>
   </p:clrMapOvr>
-  <mc:AlternateContent xmlns:mc="http://schemas.openxmlformats.org/markup-compatibility/2006">
-    <mc:Choice xmlns:p15="http://schemas.microsoft.com/office/powerpoint/2012/main" Requires="p15">
+  <mc:AlternateContent xmlns:mc="http://schemas.openxmlformats.org/markup-compatibility/2006" xmlns:p15="http://schemas.microsoft.com/office/powerpoint/2012/main">
+    <mc:Choice Requires="p15">
       <p:transition xmlns:p14="http://schemas.microsoft.com/office/powerpoint/2010/main" spd="slow" p14:dur="2000">
         <p15:prstTrans prst="drape"/>
       </p:transition>
     </mc:Choice>
-    <mc:Fallback>
+    <mc:Fallback xmlns="">
       <p:transition spd="slow">
         <p:fade/>
       </p:transition>
@@ -24807,13 +25721,13 @@
   <p:clrMapOvr>
     <a:masterClrMapping/>
   </p:clrMapOvr>
-  <mc:AlternateContent xmlns:mc="http://schemas.openxmlformats.org/markup-compatibility/2006">
-    <mc:Choice xmlns:p15="http://schemas.microsoft.com/office/powerpoint/2012/main" Requires="p15">
+  <mc:AlternateContent xmlns:mc="http://schemas.openxmlformats.org/markup-compatibility/2006" xmlns:p15="http://schemas.microsoft.com/office/powerpoint/2012/main">
+    <mc:Choice Requires="p15">
       <p:transition xmlns:p14="http://schemas.microsoft.com/office/powerpoint/2010/main" spd="slow" p14:dur="2000">
         <p15:prstTrans prst="drape"/>
       </p:transition>
     </mc:Choice>
-    <mc:Fallback>
+    <mc:Fallback xmlns="">
       <p:transition spd="slow">
         <p:fade/>
       </p:transition>
@@ -26887,15 +27801,6 @@
 </file>
 
 <file path=customXml/item1.xml><?xml version="1.0" encoding="utf-8"?>
-<?mso-contentType ?>
-<FormTemplates xmlns="http://schemas.microsoft.com/sharepoint/v3/contenttype/forms">
-  <Display>DocumentLibraryForm</Display>
-  <Edit>DocumentLibraryForm</Edit>
-  <New>DocumentLibraryForm</New>
-</FormTemplates>
-</file>
-
-<file path=customXml/item2.xml><?xml version="1.0" encoding="utf-8"?>
 <p:properties xmlns:p="http://schemas.microsoft.com/office/2006/metadata/properties" xmlns:xsi="http://www.w3.org/2001/XMLSchema-instance" xmlns:pc="http://schemas.microsoft.com/office/infopath/2007/PartnerControls">
   <documentManagement>
     <_ip_UnifiedCompliancePolicyUIAction xmlns="http://schemas.microsoft.com/sharepoint/v3" xsi:nil="true"/>
@@ -26913,6 +27818,15 @@
     <MediaServiceKeyPoints xmlns="71af3243-3dd4-4a8d-8c0d-dd76da1f02a5" xsi:nil="true"/>
   </documentManagement>
 </p:properties>
+</file>
+
+<file path=customXml/item2.xml><?xml version="1.0" encoding="utf-8"?>
+<?mso-contentType ?>
+<FormTemplates xmlns="http://schemas.microsoft.com/sharepoint/v3/contenttype/forms">
+  <Display>DocumentLibraryForm</Display>
+  <Edit>DocumentLibraryForm</Edit>
+  <New>DocumentLibraryForm</New>
+</FormTemplates>
 </file>
 
 <file path=customXml/item3.xml><?xml version="1.0" encoding="utf-8"?>
@@ -27228,14 +28142,6 @@
 </file>
 
 <file path=customXml/itemProps1.xml><?xml version="1.0" encoding="utf-8"?>
-<ds:datastoreItem xmlns:ds="http://schemas.openxmlformats.org/officeDocument/2006/customXml" ds:itemID="{F55A16D6-EDBE-419D-AF8F-74F00E41AFB5}">
-  <ds:schemaRefs>
-    <ds:schemaRef ds:uri="http://schemas.microsoft.com/sharepoint/v3/contenttype/forms"/>
-  </ds:schemaRefs>
-</ds:datastoreItem>
-</file>
-
-<file path=customXml/itemProps2.xml><?xml version="1.0" encoding="utf-8"?>
 <ds:datastoreItem xmlns:ds="http://schemas.openxmlformats.org/officeDocument/2006/customXml" ds:itemID="{25BF1A99-35F0-4B73-B737-B4DCDCD8CA57}">
   <ds:schemaRefs>
     <ds:schemaRef ds:uri="http://schemas.microsoft.com/office/2006/metadata/properties"/>
@@ -27243,6 +28149,14 @@
     <ds:schemaRef ds:uri="http://schemas.microsoft.com/sharepoint/v3"/>
     <ds:schemaRef ds:uri="71af3243-3dd4-4a8d-8c0d-dd76da1f02a5"/>
     <ds:schemaRef ds:uri="230e9df3-be65-4c73-a93b-d1236ebd677e"/>
+  </ds:schemaRefs>
+</ds:datastoreItem>
+</file>
+
+<file path=customXml/itemProps2.xml><?xml version="1.0" encoding="utf-8"?>
+<ds:datastoreItem xmlns:ds="http://schemas.openxmlformats.org/officeDocument/2006/customXml" ds:itemID="{F55A16D6-EDBE-419D-AF8F-74F00E41AFB5}">
+  <ds:schemaRefs>
+    <ds:schemaRef ds:uri="http://schemas.microsoft.com/sharepoint/v3/contenttype/forms"/>
   </ds:schemaRefs>
 </ds:datastoreItem>
 </file>
